--- a/Kendo UI for Vue.pptx
+++ b/Kendo UI for Vue.pptx
@@ -4474,34 +4474,92 @@
           <a:bodyPr/>
           <a:lstStyle/>
           <a:p>
+            <a:pPr marL="171450" indent="-171450">
+              <a:buFont typeface="Arial" panose="020B0604020202020204" pitchFamily="34" charset="0"/>
+              <a:buChar char="•"/>
+            </a:pPr>
             <a:r>
               <a:rPr lang="en-US" dirty="0"/>
-              <a:t>Progress has a long history of providing tools to make developers happy and successful.</a:t>
-            </a:r>
-          </a:p>
-          <a:p>
+              <a:t>Welcome to today’s lecture</a:t>
+            </a:r>
+          </a:p>
+          <a:p>
+            <a:pPr marL="171450" indent="-171450">
+              <a:buFont typeface="Arial" panose="020B0604020202020204" pitchFamily="34" charset="0"/>
+              <a:buChar char="•"/>
+            </a:pPr>
             <a:r>
               <a:rPr lang="en-US" dirty="0"/>
-              <a:t>That’s why, when looking new ways to bring value to the customers and thank them for their loyalty, training came to mind.</a:t>
-            </a:r>
-          </a:p>
-          <a:p>
+              <a:t>It will be about Kendo UI for </a:t>
+            </a:r>
+            <a:r>
+              <a:rPr lang="en-US" dirty="0" err="1"/>
+              <a:t>Vue</a:t>
+            </a:r>
             <a:endParaRPr lang="en-US" dirty="0"/>
           </a:p>
           <a:p>
+            <a:pPr marL="171450" indent="-171450">
+              <a:buFont typeface="Arial" panose="020B0604020202020204" pitchFamily="34" charset="0"/>
+              <a:buChar char="•"/>
+            </a:pPr>
             <a:r>
               <a:rPr lang="en-US" dirty="0"/>
-              <a:t>We understand developers have a choice when it comes to selecting a UI vendor – and we believe that when users decide to partner with Progress, they are getting the very best UI, the very best support and now the very best training at no additional out of pocket expense.</a:t>
+              <a:t>Wrapper components</a:t>
+            </a:r>
+          </a:p>
+          <a:p>
+            <a:pPr marL="171450" indent="-171450">
+              <a:buFont typeface="Arial" panose="020B0604020202020204" pitchFamily="34" charset="0"/>
+              <a:buChar char="•"/>
+            </a:pPr>
+            <a:r>
+              <a:rPr lang="en-US" dirty="0"/>
+              <a:t>Who is this training for</a:t>
+            </a:r>
+          </a:p>
+          <a:p>
+            <a:pPr marL="171450" indent="-171450">
+              <a:buFont typeface="Arial" panose="020B0604020202020204" pitchFamily="34" charset="0"/>
+              <a:buChar char="•"/>
+            </a:pPr>
+            <a:r>
+              <a:rPr lang="en-US" dirty="0"/>
+              <a:t>Technical stuff/issues introduce team </a:t>
+            </a:r>
+          </a:p>
+          <a:p>
+            <a:pPr marL="171450" indent="-171450">
+              <a:buFont typeface="Arial" panose="020B0604020202020204" pitchFamily="34" charset="0"/>
+              <a:buChar char="•"/>
+            </a:pPr>
+            <a:r>
+              <a:rPr lang="en-US" dirty="0"/>
+              <a:t>Submit questions about Kendo to using the submit question function</a:t>
+            </a:r>
+          </a:p>
+          <a:p>
+            <a:pPr marL="171450" indent="-171450">
+              <a:buFont typeface="Arial" panose="020B0604020202020204" pitchFamily="34" charset="0"/>
+              <a:buChar char="•"/>
+            </a:pPr>
+            <a:r>
+              <a:rPr lang="en-US" dirty="0"/>
+              <a:t>Either myself or my team will answer them and if I can I will address the question during the presentation</a:t>
+            </a:r>
+          </a:p>
+          <a:p>
+            <a:pPr marL="171450" indent="-171450">
+              <a:buFont typeface="Arial" panose="020B0604020202020204" pitchFamily="34" charset="0"/>
+              <a:buChar char="•"/>
+            </a:pPr>
+            <a:r>
+              <a:rPr lang="en-US" dirty="0"/>
+              <a:t>Materials available: https://github.com/newventuresoftware/kendo-ui-for-vue</a:t>
             </a:r>
           </a:p>
           <a:p>
             <a:endParaRPr lang="en-US" dirty="0"/>
-          </a:p>
-          <a:p>
-            <a:r>
-              <a:rPr lang="en-US" dirty="0"/>
-              <a:t>I’m proud to welcome you to the Virtual Classroom, a free training program for Telerik active license holders.</a:t>
-            </a:r>
           </a:p>
         </p:txBody>
       </p:sp>
@@ -4522,7 +4580,7 @@
           <a:p>
             <a:fld id="{FBC2DECA-0E8B-476B-A6C1-3E37488E144B}" type="slidenum">
               <a:rPr lang="en-US" smtClean="0"/>
-              <a:t>2</a:t>
+              <a:t>1</a:t>
             </a:fld>
             <a:endParaRPr lang="en-US"/>
           </a:p>
@@ -4531,7 +4589,7 @@
     </p:spTree>
     <p:extLst>
       <p:ext uri="{BB962C8B-B14F-4D97-AF65-F5344CB8AC3E}">
-        <p14:creationId xmlns:p14="http://schemas.microsoft.com/office/powerpoint/2010/main" val="127284437"/>
+        <p14:creationId xmlns:p14="http://schemas.microsoft.com/office/powerpoint/2010/main" val="3303322294"/>
       </p:ext>
     </p:extLst>
   </p:cSld>
@@ -4585,36 +4643,254 @@
           <a:bodyPr/>
           <a:lstStyle/>
           <a:p>
-            <a:r>
-              <a:rPr lang="en-US" dirty="0"/>
-              <a:t>A big part of today’s training will be coding/demos. </a:t>
-            </a:r>
-          </a:p>
-          <a:p>
-            <a:r>
-              <a:rPr lang="en-US" dirty="0"/>
-              <a:t>If you are hands of kind of guy and want to follow along with me these are the tools I will be using today.</a:t>
-            </a:r>
-          </a:p>
-          <a:p>
-            <a:r>
-              <a:rPr lang="en-US" dirty="0"/>
-              <a:t>These are by no means the only tools you can use, just my choice of software.</a:t>
-            </a:r>
-          </a:p>
-          <a:p>
-            <a:r>
-              <a:rPr lang="en-US" dirty="0"/>
-              <a:t>Also, I think this is a pretty good collection to start learning and working with </a:t>
-            </a:r>
-            <a:r>
-              <a:rPr lang="en-US" dirty="0" err="1"/>
+            <a:pPr algn="l"/>
+            <a:r>
+              <a:rPr lang="en-US" b="0" i="0" u="none" strike="noStrike" dirty="0">
+                <a:solidFill>
+                  <a:srgbClr val="34495E"/>
+                </a:solidFill>
+                <a:effectLst/>
+                <a:latin typeface="&amp;quot"/>
+              </a:rPr>
+              <a:t>They both:</a:t>
+            </a:r>
+          </a:p>
+          <a:p>
+            <a:pPr marL="171450" indent="-171450" algn="l">
+              <a:buFont typeface="Arial" panose="020B0604020202020204" pitchFamily="34" charset="0"/>
+              <a:buChar char="•"/>
+            </a:pPr>
+            <a:r>
+              <a:rPr lang="en-US" b="0" i="0" u="none" strike="noStrike" dirty="0">
+                <a:solidFill>
+                  <a:srgbClr val="34495E"/>
+                </a:solidFill>
+                <a:effectLst/>
+                <a:latin typeface="&amp;quot"/>
+              </a:rPr>
+              <a:t>utilize a virtual DOM</a:t>
+            </a:r>
+          </a:p>
+          <a:p>
+            <a:pPr marL="171450" indent="-171450" algn="l">
+              <a:buFont typeface="Arial" panose="020B0604020202020204" pitchFamily="34" charset="0"/>
+              <a:buChar char="•"/>
+            </a:pPr>
+            <a:r>
+              <a:rPr lang="en-US" b="0" i="0" u="none" strike="noStrike" dirty="0">
+                <a:solidFill>
+                  <a:srgbClr val="34495E"/>
+                </a:solidFill>
+                <a:effectLst/>
+                <a:latin typeface="&amp;quot"/>
+              </a:rPr>
+              <a:t>provide reactive and composable view components</a:t>
+            </a:r>
+          </a:p>
+          <a:p>
+            <a:pPr marL="171450" indent="-171450" algn="l">
+              <a:buFont typeface="Arial" panose="020B0604020202020204" pitchFamily="34" charset="0"/>
+              <a:buChar char="•"/>
+            </a:pPr>
+            <a:r>
+              <a:rPr lang="en-US" b="0" i="0" u="none" strike="noStrike" dirty="0">
+                <a:solidFill>
+                  <a:srgbClr val="34495E"/>
+                </a:solidFill>
+                <a:effectLst/>
+                <a:latin typeface="&amp;quot"/>
+              </a:rPr>
+              <a:t>maintain focus in the core library, with concerns such as routing and global state management handled by companion libraries</a:t>
+            </a:r>
+          </a:p>
+          <a:p>
+            <a:endParaRPr lang="en-US" dirty="0"/>
+          </a:p>
+          <a:p>
+            <a:r>
+              <a:rPr lang="en-US" sz="1200" b="0" i="0" u="none" strike="noStrike" kern="1200" dirty="0">
+                <a:solidFill>
+                  <a:schemeClr val="tx1"/>
+                </a:solidFill>
+                <a:effectLst/>
+                <a:latin typeface="+mn-lt"/>
+                <a:ea typeface="+mn-ea"/>
+                <a:cs typeface="+mn-cs"/>
+              </a:rPr>
+              <a:t>In React, everything is just JavaScript. Not only are HTML structures expressed via JSX, the recent trends also tend to put CSS management inside JavaScript as well. This approach has its own benefits, but also comes with various trade-offs that may not seem worthwhile for every developer. </a:t>
+            </a:r>
+            <a:r>
+              <a:rPr lang="en-US" sz="1200" b="0" i="0" u="none" strike="noStrike" kern="1200" dirty="0" err="1">
+                <a:solidFill>
+                  <a:schemeClr val="tx1"/>
+                </a:solidFill>
+                <a:effectLst/>
+                <a:latin typeface="+mn-lt"/>
+                <a:ea typeface="+mn-ea"/>
+                <a:cs typeface="+mn-cs"/>
+              </a:rPr>
               <a:t>Vue</a:t>
             </a:r>
             <a:r>
-              <a:rPr lang="en-US" dirty="0"/>
-              <a:t>!</a:t>
-            </a:r>
+              <a:rPr lang="en-US" sz="1200" b="0" i="0" u="none" strike="noStrike" kern="1200" dirty="0">
+                <a:solidFill>
+                  <a:schemeClr val="tx1"/>
+                </a:solidFill>
+                <a:effectLst/>
+                <a:latin typeface="+mn-lt"/>
+                <a:ea typeface="+mn-ea"/>
+                <a:cs typeface="+mn-cs"/>
+              </a:rPr>
+              <a:t> embraces classic web technologies and builds on top of them.</a:t>
+            </a:r>
+          </a:p>
+          <a:p>
+            <a:endParaRPr lang="en-US" sz="1200" b="0" i="0" u="none" strike="noStrike" kern="1200" dirty="0">
+              <a:solidFill>
+                <a:schemeClr val="tx1"/>
+              </a:solidFill>
+              <a:effectLst/>
+              <a:latin typeface="+mn-lt"/>
+              <a:ea typeface="+mn-ea"/>
+              <a:cs typeface="+mn-cs"/>
+            </a:endParaRPr>
+          </a:p>
+          <a:p>
+            <a:r>
+              <a:rPr lang="en-US" sz="1200" b="0" i="0" u="none" strike="noStrike" kern="1200" dirty="0" err="1">
+                <a:solidFill>
+                  <a:schemeClr val="tx1"/>
+                </a:solidFill>
+                <a:effectLst/>
+                <a:latin typeface="+mn-lt"/>
+                <a:ea typeface="+mn-ea"/>
+                <a:cs typeface="+mn-cs"/>
+              </a:rPr>
+              <a:t>Vue</a:t>
+            </a:r>
+            <a:r>
+              <a:rPr lang="en-US" sz="1200" b="0" i="0" u="none" strike="noStrike" kern="1200" dirty="0">
+                <a:solidFill>
+                  <a:schemeClr val="tx1"/>
+                </a:solidFill>
+                <a:effectLst/>
+                <a:latin typeface="+mn-lt"/>
+                <a:ea typeface="+mn-ea"/>
+                <a:cs typeface="+mn-cs"/>
+              </a:rPr>
+              <a:t> also has render functions and support for JSX, but the default experience of templates is simpler to use. </a:t>
+            </a:r>
+          </a:p>
+          <a:p>
+            <a:pPr marL="171450" indent="-171450">
+              <a:buFont typeface="Arial" panose="020B0604020202020204" pitchFamily="34" charset="0"/>
+              <a:buChar char="•"/>
+            </a:pPr>
+            <a:r>
+              <a:rPr lang="en-US" b="0" i="0" u="none" strike="noStrike" dirty="0">
+                <a:solidFill>
+                  <a:srgbClr val="34495E"/>
+                </a:solidFill>
+                <a:effectLst/>
+                <a:latin typeface="Source Sans Pro"/>
+              </a:rPr>
+              <a:t>For many developers who have been working with HTML, templates feel more natural to read and write. The preference itself can be somewhat subjective, but if it makes the developer more productive then the benefit is objective.</a:t>
+            </a:r>
+          </a:p>
+          <a:p>
+            <a:pPr marL="171450" indent="-171450" algn="l">
+              <a:buFont typeface="Arial" panose="020B0604020202020204" pitchFamily="34" charset="0"/>
+              <a:buChar char="•"/>
+            </a:pPr>
+            <a:r>
+              <a:rPr lang="en-US" b="0" i="0" u="none" strike="noStrike" dirty="0">
+                <a:solidFill>
+                  <a:srgbClr val="34495E"/>
+                </a:solidFill>
+                <a:effectLst/>
+                <a:latin typeface="&amp;quot"/>
+              </a:rPr>
+              <a:t>HTML-based templates make it much easier to progressively migrate existing applications to take advantage of </a:t>
+            </a:r>
+            <a:r>
+              <a:rPr lang="en-US" b="0" i="0" u="none" strike="noStrike" dirty="0" err="1">
+                <a:solidFill>
+                  <a:srgbClr val="34495E"/>
+                </a:solidFill>
+                <a:effectLst/>
+                <a:latin typeface="&amp;quot"/>
+              </a:rPr>
+              <a:t>Vue’s</a:t>
+            </a:r>
+            <a:r>
+              <a:rPr lang="en-US" b="0" i="0" u="none" strike="noStrike" dirty="0">
+                <a:solidFill>
+                  <a:srgbClr val="34495E"/>
+                </a:solidFill>
+                <a:effectLst/>
+                <a:latin typeface="&amp;quot"/>
+              </a:rPr>
+              <a:t> reactivity features.</a:t>
+            </a:r>
+          </a:p>
+          <a:p>
+            <a:pPr marL="171450" indent="-171450" algn="l">
+              <a:buFont typeface="Arial" panose="020B0604020202020204" pitchFamily="34" charset="0"/>
+              <a:buChar char="•"/>
+            </a:pPr>
+            <a:r>
+              <a:rPr lang="en-US" b="0" i="0" u="none" strike="noStrike" dirty="0">
+                <a:solidFill>
+                  <a:srgbClr val="34495E"/>
+                </a:solidFill>
+                <a:effectLst/>
+                <a:latin typeface="&amp;quot"/>
+              </a:rPr>
+              <a:t>It also makes it much easier for designers and less experienced developers to parse and contribute to the codebase.</a:t>
+            </a:r>
+          </a:p>
+          <a:p>
+            <a:pPr marL="171450" indent="-171450" algn="l">
+              <a:buFont typeface="Arial" panose="020B0604020202020204" pitchFamily="34" charset="0"/>
+              <a:buChar char="•"/>
+            </a:pPr>
+            <a:r>
+              <a:rPr lang="en-US" b="0" i="0" u="none" strike="noStrike" dirty="0">
+                <a:solidFill>
+                  <a:srgbClr val="34495E"/>
+                </a:solidFill>
+                <a:effectLst/>
+                <a:latin typeface="&amp;quot"/>
+              </a:rPr>
+              <a:t>You can even use pre-processors such as Pug (formerly known as Jade) to author your </a:t>
+            </a:r>
+            <a:r>
+              <a:rPr lang="en-US" b="0" i="0" u="none" strike="noStrike" dirty="0" err="1">
+                <a:solidFill>
+                  <a:srgbClr val="34495E"/>
+                </a:solidFill>
+                <a:effectLst/>
+                <a:latin typeface="&amp;quot"/>
+              </a:rPr>
+              <a:t>Vue</a:t>
+            </a:r>
+            <a:r>
+              <a:rPr lang="en-US" b="0" i="0" u="none" strike="noStrike" dirty="0">
+                <a:solidFill>
+                  <a:srgbClr val="34495E"/>
+                </a:solidFill>
+                <a:effectLst/>
+                <a:latin typeface="&amp;quot"/>
+              </a:rPr>
+              <a:t> templates.</a:t>
+            </a:r>
+          </a:p>
+          <a:p>
+            <a:pPr marL="0" indent="0">
+              <a:buFont typeface="Arial" panose="020B0604020202020204" pitchFamily="34" charset="0"/>
+              <a:buNone/>
+            </a:pPr>
+            <a:endParaRPr lang="en-US" dirty="0"/>
           </a:p>
         </p:txBody>
       </p:sp>
@@ -4635,7 +4911,7 @@
           <a:p>
             <a:fld id="{FBC2DECA-0E8B-476B-A6C1-3E37488E144B}" type="slidenum">
               <a:rPr lang="en-US" smtClean="0"/>
-              <a:t>12</a:t>
+              <a:t>11</a:t>
             </a:fld>
             <a:endParaRPr lang="en-US"/>
           </a:p>
@@ -4644,7 +4920,7 @@
     </p:spTree>
     <p:extLst>
       <p:ext uri="{BB962C8B-B14F-4D97-AF65-F5344CB8AC3E}">
-        <p14:creationId xmlns:p14="http://schemas.microsoft.com/office/powerpoint/2010/main" val="3250004033"/>
+        <p14:creationId xmlns:p14="http://schemas.microsoft.com/office/powerpoint/2010/main" val="2536745277"/>
       </p:ext>
     </p:extLst>
   </p:cSld>
@@ -4698,206 +4974,36 @@
           <a:bodyPr/>
           <a:lstStyle/>
           <a:p>
-            <a:pPr marL="171450" indent="-171450">
-              <a:buFont typeface="Arial" panose="020B0604020202020204" pitchFamily="34" charset="0"/>
-              <a:buChar char="•"/>
-            </a:pPr>
-            <a:r>
-              <a:rPr lang="en-US" sz="1200" dirty="0"/>
-              <a:t>Including </a:t>
-            </a:r>
-            <a:r>
-              <a:rPr lang="en-US" sz="1200" dirty="0" err="1"/>
-              <a:t>Vue</a:t>
-            </a:r>
-            <a:r>
-              <a:rPr lang="en-US" sz="1200" dirty="0"/>
-              <a:t> in our HTML</a:t>
-            </a:r>
-          </a:p>
-          <a:p>
-            <a:pPr marL="171450" indent="-171450">
-              <a:buFont typeface="Arial" panose="020B0604020202020204" pitchFamily="34" charset="0"/>
-              <a:buChar char="•"/>
-            </a:pPr>
-            <a:r>
-              <a:rPr lang="en-US" sz="1200" dirty="0"/>
-              <a:t>Creating the </a:t>
-            </a:r>
-            <a:r>
-              <a:rPr lang="en-US" sz="1200" dirty="0" err="1"/>
-              <a:t>Vue</a:t>
-            </a:r>
-            <a:r>
-              <a:rPr lang="en-US" sz="1200" dirty="0"/>
-              <a:t> instance – called </a:t>
-            </a:r>
-            <a:r>
-              <a:rPr lang="en-US" sz="1200" dirty="0" err="1"/>
-              <a:t>Vue</a:t>
-            </a:r>
-            <a:r>
-              <a:rPr lang="en-US" sz="1200" dirty="0"/>
-              <a:t>/View</a:t>
-            </a:r>
-          </a:p>
-          <a:p>
-            <a:pPr marL="171450" indent="-171450">
-              <a:buFont typeface="Arial" panose="020B0604020202020204" pitchFamily="34" charset="0"/>
-              <a:buChar char="•"/>
-            </a:pPr>
-            <a:r>
-              <a:rPr lang="en-US" sz="1200" dirty="0"/>
-              <a:t>Mounting the </a:t>
-            </a:r>
-            <a:r>
-              <a:rPr lang="en-US" sz="1200" dirty="0" err="1"/>
-              <a:t>Vue</a:t>
-            </a:r>
-            <a:r>
-              <a:rPr lang="en-US" sz="1200" dirty="0"/>
-              <a:t> instance to an HTML element. HTML and Body tags are not supported because of </a:t>
-            </a:r>
-            <a:r>
-              <a:rPr lang="en-US" sz="1200" dirty="0" err="1"/>
-              <a:t>vdom</a:t>
-            </a:r>
-            <a:r>
-              <a:rPr lang="en-US" sz="1200" dirty="0"/>
-              <a:t> implementation.</a:t>
-            </a:r>
-          </a:p>
-          <a:p>
-            <a:pPr marL="171450" indent="-171450">
-              <a:buFont typeface="Arial" panose="020B0604020202020204" pitchFamily="34" charset="0"/>
-              <a:buChar char="•"/>
-            </a:pPr>
-            <a:r>
-              <a:rPr lang="en-US" sz="1200" dirty="0"/>
-              <a:t>Setting up the data object</a:t>
-            </a:r>
-          </a:p>
-          <a:p>
-            <a:pPr marL="171450" indent="-171450">
-              <a:buFont typeface="Arial" panose="020B0604020202020204" pitchFamily="34" charset="0"/>
-              <a:buChar char="•"/>
-            </a:pPr>
-            <a:r>
-              <a:rPr lang="en-US" sz="1200" dirty="0"/>
-              <a:t>Using a declarative template binding to show data</a:t>
-            </a:r>
-          </a:p>
-          <a:p>
-            <a:pPr marL="171450" indent="-171450">
-              <a:buFont typeface="Arial" panose="020B0604020202020204" pitchFamily="34" charset="0"/>
-              <a:buChar char="•"/>
-            </a:pPr>
-            <a:r>
-              <a:rPr lang="en-US" sz="1200" dirty="0"/>
-              <a:t>Using the </a:t>
-            </a:r>
-            <a:r>
-              <a:rPr lang="en-US" sz="1200" dirty="0" err="1"/>
-              <a:t>Vue</a:t>
-            </a:r>
-            <a:r>
-              <a:rPr lang="en-US" sz="1200" dirty="0"/>
-              <a:t> </a:t>
-            </a:r>
-            <a:r>
-              <a:rPr lang="en-US" sz="1200" dirty="0" err="1"/>
-              <a:t>Devtools</a:t>
-            </a:r>
-            <a:r>
-              <a:rPr lang="en-US" sz="1200" dirty="0"/>
-              <a:t> to inspect the </a:t>
-            </a:r>
-            <a:r>
-              <a:rPr lang="en-US" sz="1200" dirty="0" err="1"/>
-              <a:t>Vue</a:t>
-            </a:r>
-            <a:endParaRPr lang="en-US" sz="1200" dirty="0"/>
-          </a:p>
-          <a:p>
-            <a:pPr marL="171450" marR="0" lvl="0" indent="-171450" algn="l" defTabSz="914400" rtl="0" eaLnBrk="1" fontAlgn="auto" latinLnBrk="0" hangingPunct="1">
-              <a:lnSpc>
-                <a:spcPct val="100000"/>
-              </a:lnSpc>
-              <a:spcBef>
-                <a:spcPts val="0"/>
-              </a:spcBef>
-              <a:spcAft>
-                <a:spcPts val="0"/>
-              </a:spcAft>
-              <a:buClrTx/>
-              <a:buSzTx/>
-              <a:buFont typeface="Arial" panose="020B0604020202020204" pitchFamily="34" charset="0"/>
-              <a:buChar char="•"/>
-              <a:tabLst/>
-              <a:defRPr/>
-            </a:pPr>
             <a:r>
               <a:rPr lang="en-US" dirty="0"/>
-              <a:t>Observability of the data object -&gt; properties in data object are made observable</a:t>
-            </a:r>
-          </a:p>
-          <a:p>
-            <a:pPr marL="171450" marR="0" lvl="0" indent="-171450" algn="l" defTabSz="914400" rtl="0" eaLnBrk="1" fontAlgn="auto" latinLnBrk="0" hangingPunct="1">
-              <a:lnSpc>
-                <a:spcPct val="100000"/>
-              </a:lnSpc>
-              <a:spcBef>
-                <a:spcPts val="0"/>
-              </a:spcBef>
-              <a:spcAft>
-                <a:spcPts val="0"/>
-              </a:spcAft>
-              <a:buClrTx/>
-              <a:buSzTx/>
-              <a:buFont typeface="Arial" panose="020B0604020202020204" pitchFamily="34" charset="0"/>
-              <a:buChar char="•"/>
-              <a:tabLst/>
-              <a:defRPr/>
-            </a:pPr>
+              <a:t>A big part of today’s training will be coding/demos. </a:t>
+            </a:r>
+          </a:p>
+          <a:p>
             <a:r>
               <a:rPr lang="en-US" dirty="0"/>
-              <a:t>Scope of the </a:t>
+              <a:t>If you are hands of kind of guy and want to follow along with me these are the tools I will be using today.</a:t>
+            </a:r>
+          </a:p>
+          <a:p>
+            <a:r>
+              <a:rPr lang="en-US" dirty="0"/>
+              <a:t>These are by no means the only tools you can use, just my choice of software.</a:t>
+            </a:r>
+          </a:p>
+          <a:p>
+            <a:r>
+              <a:rPr lang="en-US" dirty="0"/>
+              <a:t>Also, I think this is a pretty good collection to start learning and working with </a:t>
             </a:r>
             <a:r>
               <a:rPr lang="en-US" dirty="0" err="1"/>
               <a:t>Vue</a:t>
             </a:r>
-            <a:endParaRPr lang="en-US" sz="1200" dirty="0"/>
-          </a:p>
-          <a:p>
-            <a:pPr marL="171450" marR="0" lvl="0" indent="-171450" algn="l" defTabSz="914400" rtl="0" eaLnBrk="1" fontAlgn="auto" latinLnBrk="0" hangingPunct="1">
-              <a:lnSpc>
-                <a:spcPct val="100000"/>
-              </a:lnSpc>
-              <a:spcBef>
-                <a:spcPts val="0"/>
-              </a:spcBef>
-              <a:spcAft>
-                <a:spcPts val="0"/>
-              </a:spcAft>
-              <a:buClrTx/>
-              <a:buSzTx/>
-              <a:buFont typeface="Arial" panose="020B0604020202020204" pitchFamily="34" charset="0"/>
-              <a:buChar char="•"/>
-              <a:tabLst/>
-              <a:defRPr/>
-            </a:pPr>
-            <a:endParaRPr lang="en-US" sz="1200" dirty="0"/>
-          </a:p>
-          <a:p>
-            <a:pPr marL="171450" indent="-171450">
-              <a:buFont typeface="Arial" panose="020B0604020202020204" pitchFamily="34" charset="0"/>
-              <a:buChar char="•"/>
-            </a:pPr>
-            <a:endParaRPr lang="en-US" sz="1200" dirty="0"/>
-          </a:p>
-          <a:p>
-            <a:endParaRPr lang="en-US" dirty="0"/>
+            <a:r>
+              <a:rPr lang="en-US" dirty="0"/>
+              <a:t>!</a:t>
+            </a:r>
           </a:p>
         </p:txBody>
       </p:sp>
@@ -4918,7 +5024,7 @@
           <a:p>
             <a:fld id="{FBC2DECA-0E8B-476B-A6C1-3E37488E144B}" type="slidenum">
               <a:rPr lang="en-US" smtClean="0"/>
-              <a:t>15</a:t>
+              <a:t>12</a:t>
             </a:fld>
             <a:endParaRPr lang="en-US"/>
           </a:p>
@@ -4927,7 +5033,7 @@
     </p:spTree>
     <p:extLst>
       <p:ext uri="{BB962C8B-B14F-4D97-AF65-F5344CB8AC3E}">
-        <p14:creationId xmlns:p14="http://schemas.microsoft.com/office/powerpoint/2010/main" val="2952698131"/>
+        <p14:creationId xmlns:p14="http://schemas.microsoft.com/office/powerpoint/2010/main" val="3250004033"/>
       </p:ext>
     </p:extLst>
   </p:cSld>
@@ -4981,33 +5087,206 @@
           <a:bodyPr/>
           <a:lstStyle/>
           <a:p>
+            <a:pPr marL="171450" indent="-171450">
+              <a:buFont typeface="Arial" panose="020B0604020202020204" pitchFamily="34" charset="0"/>
+              <a:buChar char="•"/>
+            </a:pPr>
+            <a:r>
+              <a:rPr lang="en-US" sz="1200" dirty="0"/>
+              <a:t>Including </a:t>
+            </a:r>
+            <a:r>
+              <a:rPr lang="en-US" sz="1200" dirty="0" err="1"/>
+              <a:t>Vue</a:t>
+            </a:r>
+            <a:r>
+              <a:rPr lang="en-US" sz="1200" dirty="0"/>
+              <a:t> in our HTML</a:t>
+            </a:r>
+          </a:p>
+          <a:p>
+            <a:pPr marL="171450" indent="-171450">
+              <a:buFont typeface="Arial" panose="020B0604020202020204" pitchFamily="34" charset="0"/>
+              <a:buChar char="•"/>
+            </a:pPr>
+            <a:r>
+              <a:rPr lang="en-US" sz="1200" dirty="0"/>
+              <a:t>Creating the </a:t>
+            </a:r>
+            <a:r>
+              <a:rPr lang="en-US" sz="1200" dirty="0" err="1"/>
+              <a:t>Vue</a:t>
+            </a:r>
+            <a:r>
+              <a:rPr lang="en-US" sz="1200" dirty="0"/>
+              <a:t> instance – called </a:t>
+            </a:r>
+            <a:r>
+              <a:rPr lang="en-US" sz="1200" dirty="0" err="1"/>
+              <a:t>Vue</a:t>
+            </a:r>
+            <a:r>
+              <a:rPr lang="en-US" sz="1200" dirty="0"/>
+              <a:t>/View</a:t>
+            </a:r>
+          </a:p>
+          <a:p>
+            <a:pPr marL="171450" indent="-171450">
+              <a:buFont typeface="Arial" panose="020B0604020202020204" pitchFamily="34" charset="0"/>
+              <a:buChar char="•"/>
+            </a:pPr>
+            <a:r>
+              <a:rPr lang="en-US" sz="1200" dirty="0"/>
+              <a:t>Mounting the </a:t>
+            </a:r>
+            <a:r>
+              <a:rPr lang="en-US" sz="1200" dirty="0" err="1"/>
+              <a:t>Vue</a:t>
+            </a:r>
+            <a:r>
+              <a:rPr lang="en-US" sz="1200" dirty="0"/>
+              <a:t> instance to an HTML element. HTML and Body tags are not supported because of </a:t>
+            </a:r>
+            <a:r>
+              <a:rPr lang="en-US" sz="1200" dirty="0" err="1"/>
+              <a:t>vdom</a:t>
+            </a:r>
+            <a:r>
+              <a:rPr lang="en-US" sz="1200" dirty="0"/>
+              <a:t> implementation.</a:t>
+            </a:r>
+          </a:p>
+          <a:p>
+            <a:pPr marL="171450" indent="-171450">
+              <a:buFont typeface="Arial" panose="020B0604020202020204" pitchFamily="34" charset="0"/>
+              <a:buChar char="•"/>
+            </a:pPr>
+            <a:r>
+              <a:rPr lang="en-US" sz="1200" dirty="0"/>
+              <a:t>Setting up the data object</a:t>
+            </a:r>
+          </a:p>
+          <a:p>
+            <a:pPr marL="171450" indent="-171450">
+              <a:buFont typeface="Arial" panose="020B0604020202020204" pitchFamily="34" charset="0"/>
+              <a:buChar char="•"/>
+            </a:pPr>
+            <a:r>
+              <a:rPr lang="en-US" sz="1200" dirty="0"/>
+              <a:t>Using a declarative template binding to show data</a:t>
+            </a:r>
+          </a:p>
+          <a:p>
+            <a:pPr marL="171450" indent="-171450">
+              <a:buFont typeface="Arial" panose="020B0604020202020204" pitchFamily="34" charset="0"/>
+              <a:buChar char="•"/>
+            </a:pPr>
+            <a:r>
+              <a:rPr lang="en-US" sz="1200" dirty="0"/>
+              <a:t>Using the </a:t>
+            </a:r>
+            <a:r>
+              <a:rPr lang="en-US" sz="1200" dirty="0" err="1"/>
+              <a:t>Vue</a:t>
+            </a:r>
+            <a:r>
+              <a:rPr lang="en-US" sz="1200" dirty="0"/>
+              <a:t> </a:t>
+            </a:r>
+            <a:r>
+              <a:rPr lang="en-US" sz="1200" dirty="0" err="1"/>
+              <a:t>Devtools</a:t>
+            </a:r>
+            <a:r>
+              <a:rPr lang="en-US" sz="1200" dirty="0"/>
+              <a:t> to inspect the </a:t>
+            </a:r>
+            <a:r>
+              <a:rPr lang="en-US" sz="1200" dirty="0" err="1"/>
+              <a:t>Vue</a:t>
+            </a:r>
+            <a:endParaRPr lang="en-US" sz="1200" dirty="0"/>
+          </a:p>
+          <a:p>
+            <a:pPr marL="171450" marR="0" lvl="0" indent="-171450" algn="l" defTabSz="914400" rtl="0" eaLnBrk="1" fontAlgn="auto" latinLnBrk="0" hangingPunct="1">
+              <a:lnSpc>
+                <a:spcPct val="100000"/>
+              </a:lnSpc>
+              <a:spcBef>
+                <a:spcPts val="0"/>
+              </a:spcBef>
+              <a:spcAft>
+                <a:spcPts val="0"/>
+              </a:spcAft>
+              <a:buClrTx/>
+              <a:buSzTx/>
+              <a:buFont typeface="Arial" panose="020B0604020202020204" pitchFamily="34" charset="0"/>
+              <a:buChar char="•"/>
+              <a:tabLst/>
+              <a:defRPr/>
+            </a:pPr>
             <a:r>
               <a:rPr lang="en-US" dirty="0"/>
-              <a:t>We are going to take a look at some of the most important features of </a:t>
+              <a:t>Observability of the data object -&gt; properties in data object are made observable</a:t>
+            </a:r>
+          </a:p>
+          <a:p>
+            <a:pPr marL="171450" marR="0" lvl="0" indent="-171450" algn="l" defTabSz="914400" rtl="0" eaLnBrk="1" fontAlgn="auto" latinLnBrk="0" hangingPunct="1">
+              <a:lnSpc>
+                <a:spcPct val="100000"/>
+              </a:lnSpc>
+              <a:spcBef>
+                <a:spcPts val="0"/>
+              </a:spcBef>
+              <a:spcAft>
+                <a:spcPts val="0"/>
+              </a:spcAft>
+              <a:buClrTx/>
+              <a:buSzTx/>
+              <a:buFont typeface="Arial" panose="020B0604020202020204" pitchFamily="34" charset="0"/>
+              <a:buChar char="•"/>
+              <a:tabLst/>
+              <a:defRPr/>
+            </a:pPr>
+            <a:r>
+              <a:rPr lang="en-US" dirty="0"/>
+              <a:t>Scope of the </a:t>
             </a:r>
             <a:r>
               <a:rPr lang="en-US" dirty="0" err="1"/>
               <a:t>Vue</a:t>
             </a:r>
+            <a:endParaRPr lang="en-US" sz="1200" dirty="0"/>
+          </a:p>
+          <a:p>
+            <a:pPr marL="171450" marR="0" lvl="0" indent="-171450" algn="l" defTabSz="914400" rtl="0" eaLnBrk="1" fontAlgn="auto" latinLnBrk="0" hangingPunct="1">
+              <a:lnSpc>
+                <a:spcPct val="100000"/>
+              </a:lnSpc>
+              <a:spcBef>
+                <a:spcPts val="0"/>
+              </a:spcBef>
+              <a:spcAft>
+                <a:spcPts val="0"/>
+              </a:spcAft>
+              <a:buClrTx/>
+              <a:buSzTx/>
+              <a:buFont typeface="Arial" panose="020B0604020202020204" pitchFamily="34" charset="0"/>
+              <a:buChar char="•"/>
+              <a:tabLst/>
+              <a:defRPr/>
+            </a:pPr>
+            <a:endParaRPr lang="en-US" sz="1200" dirty="0"/>
+          </a:p>
+          <a:p>
+            <a:pPr marL="171450" indent="-171450">
+              <a:buFont typeface="Arial" panose="020B0604020202020204" pitchFamily="34" charset="0"/>
+              <a:buChar char="•"/>
+            </a:pPr>
+            <a:endParaRPr lang="en-US" sz="1200" dirty="0"/>
+          </a:p>
+          <a:p>
             <a:endParaRPr lang="en-US" dirty="0"/>
-          </a:p>
-          <a:p>
-            <a:r>
-              <a:rPr lang="en-US" dirty="0"/>
-              <a:t>This is by  no means an exhaustive list</a:t>
-            </a:r>
-          </a:p>
-          <a:p>
-            <a:r>
-              <a:rPr lang="en-US" dirty="0"/>
-              <a:t>Even the features we look at will not be explored to their fullest extent</a:t>
-            </a:r>
-          </a:p>
-          <a:p>
-            <a:r>
-              <a:rPr lang="en-US" dirty="0"/>
-              <a:t>There are many additional advanced features for animations, styling and visual appearance</a:t>
-            </a:r>
           </a:p>
         </p:txBody>
       </p:sp>
@@ -5028,7 +5307,7 @@
           <a:p>
             <a:fld id="{FBC2DECA-0E8B-476B-A6C1-3E37488E144B}" type="slidenum">
               <a:rPr lang="en-US" smtClean="0"/>
-              <a:t>17</a:t>
+              <a:t>15</a:t>
             </a:fld>
             <a:endParaRPr lang="en-US"/>
           </a:p>
@@ -5037,7 +5316,7 @@
     </p:spTree>
     <p:extLst>
       <p:ext uri="{BB962C8B-B14F-4D97-AF65-F5344CB8AC3E}">
-        <p14:creationId xmlns:p14="http://schemas.microsoft.com/office/powerpoint/2010/main" val="1768594259"/>
+        <p14:creationId xmlns:p14="http://schemas.microsoft.com/office/powerpoint/2010/main" val="2952698131"/>
       </p:ext>
     </p:extLst>
   </p:cSld>
@@ -5091,7 +5370,33 @@
           <a:bodyPr/>
           <a:lstStyle/>
           <a:p>
+            <a:r>
+              <a:rPr lang="en-US" dirty="0"/>
+              <a:t>We are going to take a look at some of the most important features of </a:t>
+            </a:r>
+            <a:r>
+              <a:rPr lang="en-US" dirty="0" err="1"/>
+              <a:t>Vue</a:t>
+            </a:r>
             <a:endParaRPr lang="en-US" dirty="0"/>
+          </a:p>
+          <a:p>
+            <a:r>
+              <a:rPr lang="en-US" dirty="0"/>
+              <a:t>This is by  no means an exhaustive list</a:t>
+            </a:r>
+          </a:p>
+          <a:p>
+            <a:r>
+              <a:rPr lang="en-US" dirty="0"/>
+              <a:t>Even the features we look at will not be explored to their fullest extent</a:t>
+            </a:r>
+          </a:p>
+          <a:p>
+            <a:r>
+              <a:rPr lang="en-US" dirty="0"/>
+              <a:t>There are many additional advanced features for animations, styling and visual appearance</a:t>
+            </a:r>
           </a:p>
         </p:txBody>
       </p:sp>
@@ -5112,7 +5417,7 @@
           <a:p>
             <a:fld id="{FBC2DECA-0E8B-476B-A6C1-3E37488E144B}" type="slidenum">
               <a:rPr lang="en-US" smtClean="0"/>
-              <a:t>19</a:t>
+              <a:t>17</a:t>
             </a:fld>
             <a:endParaRPr lang="en-US"/>
           </a:p>
@@ -5121,7 +5426,7 @@
     </p:spTree>
     <p:extLst>
       <p:ext uri="{BB962C8B-B14F-4D97-AF65-F5344CB8AC3E}">
-        <p14:creationId xmlns:p14="http://schemas.microsoft.com/office/powerpoint/2010/main" val="610408299"/>
+        <p14:creationId xmlns:p14="http://schemas.microsoft.com/office/powerpoint/2010/main" val="1768594259"/>
       </p:ext>
     </p:extLst>
   </p:cSld>
@@ -5175,75 +5480,7 @@
           <a:bodyPr/>
           <a:lstStyle/>
           <a:p>
-            <a:r>
-              <a:rPr lang="en-US" dirty="0"/>
-              <a:t>Using </a:t>
-            </a:r>
-            <a:r>
-              <a:rPr lang="en-US" dirty="0">
-                <a:latin typeface="Courier New" panose="02070309020205020404" pitchFamily="49" charset="0"/>
-                <a:cs typeface="Courier New" panose="02070309020205020404" pitchFamily="49" charset="0"/>
-              </a:rPr>
-              <a:t>v-on</a:t>
-            </a:r>
-            <a:r>
-              <a:rPr lang="en-US" dirty="0"/>
-              <a:t> directive and shorthand syntax @</a:t>
-            </a:r>
-          </a:p>
-          <a:p>
-            <a:r>
-              <a:rPr lang="en-US" dirty="0"/>
-              <a:t>Accessing the </a:t>
-            </a:r>
-            <a:r>
-              <a:rPr lang="en-US" dirty="0" err="1"/>
-              <a:t>Vue</a:t>
-            </a:r>
-            <a:r>
-              <a:rPr lang="en-US" dirty="0"/>
-              <a:t> instance in the event handler using </a:t>
-            </a:r>
-            <a:r>
-              <a:rPr lang="en-US" dirty="0">
-                <a:latin typeface="Courier New" panose="02070309020205020404" pitchFamily="49" charset="0"/>
-                <a:cs typeface="Courier New" panose="02070309020205020404" pitchFamily="49" charset="0"/>
-              </a:rPr>
-              <a:t>this</a:t>
-            </a:r>
-          </a:p>
-          <a:p>
-            <a:r>
-              <a:rPr lang="en-US" dirty="0">
-                <a:cs typeface="Courier New" panose="02070309020205020404" pitchFamily="49" charset="0"/>
-              </a:rPr>
-              <a:t>Accessing the event target</a:t>
-            </a:r>
-          </a:p>
-          <a:p>
-            <a:r>
-              <a:rPr lang="en-US" dirty="0"/>
-              <a:t>Different styles of click handlers</a:t>
-            </a:r>
-          </a:p>
-          <a:p>
-            <a:r>
-              <a:rPr lang="en-US" dirty="0"/>
-              <a:t>Passing parameters to event handlers</a:t>
-            </a:r>
-          </a:p>
-          <a:p>
-            <a:r>
-              <a:rPr lang="en-US" dirty="0"/>
-              <a:t>Combining parameters and event information using </a:t>
-            </a:r>
-            <a:r>
-              <a:rPr lang="en-US" dirty="0">
-                <a:latin typeface="Courier New" panose="02070309020205020404" pitchFamily="49" charset="0"/>
-                <a:cs typeface="Courier New" panose="02070309020205020404" pitchFamily="49" charset="0"/>
-              </a:rPr>
-              <a:t>$event</a:t>
-            </a:r>
+            <a:endParaRPr lang="en-US" dirty="0"/>
           </a:p>
         </p:txBody>
       </p:sp>
@@ -5264,7 +5501,7 @@
           <a:p>
             <a:fld id="{FBC2DECA-0E8B-476B-A6C1-3E37488E144B}" type="slidenum">
               <a:rPr lang="en-US" smtClean="0"/>
-              <a:t>20</a:t>
+              <a:t>19</a:t>
             </a:fld>
             <a:endParaRPr lang="en-US"/>
           </a:p>
@@ -5273,7 +5510,7 @@
     </p:spTree>
     <p:extLst>
       <p:ext uri="{BB962C8B-B14F-4D97-AF65-F5344CB8AC3E}">
-        <p14:creationId xmlns:p14="http://schemas.microsoft.com/office/powerpoint/2010/main" val="1931999003"/>
+        <p14:creationId xmlns:p14="http://schemas.microsoft.com/office/powerpoint/2010/main" val="610408299"/>
       </p:ext>
     </p:extLst>
   </p:cSld>
@@ -5327,7 +5564,75 @@
           <a:bodyPr/>
           <a:lstStyle/>
           <a:p>
-            <a:endParaRPr lang="en-US" dirty="0"/>
+            <a:r>
+              <a:rPr lang="en-US" dirty="0"/>
+              <a:t>Using </a:t>
+            </a:r>
+            <a:r>
+              <a:rPr lang="en-US" dirty="0">
+                <a:latin typeface="Courier New" panose="02070309020205020404" pitchFamily="49" charset="0"/>
+                <a:cs typeface="Courier New" panose="02070309020205020404" pitchFamily="49" charset="0"/>
+              </a:rPr>
+              <a:t>v-on</a:t>
+            </a:r>
+            <a:r>
+              <a:rPr lang="en-US" dirty="0"/>
+              <a:t> directive and shorthand syntax @</a:t>
+            </a:r>
+          </a:p>
+          <a:p>
+            <a:r>
+              <a:rPr lang="en-US" dirty="0"/>
+              <a:t>Accessing the </a:t>
+            </a:r>
+            <a:r>
+              <a:rPr lang="en-US" dirty="0" err="1"/>
+              <a:t>Vue</a:t>
+            </a:r>
+            <a:r>
+              <a:rPr lang="en-US" dirty="0"/>
+              <a:t> instance in the event handler using </a:t>
+            </a:r>
+            <a:r>
+              <a:rPr lang="en-US" dirty="0">
+                <a:latin typeface="Courier New" panose="02070309020205020404" pitchFamily="49" charset="0"/>
+                <a:cs typeface="Courier New" panose="02070309020205020404" pitchFamily="49" charset="0"/>
+              </a:rPr>
+              <a:t>this</a:t>
+            </a:r>
+          </a:p>
+          <a:p>
+            <a:r>
+              <a:rPr lang="en-US" dirty="0">
+                <a:cs typeface="Courier New" panose="02070309020205020404" pitchFamily="49" charset="0"/>
+              </a:rPr>
+              <a:t>Accessing the event target</a:t>
+            </a:r>
+          </a:p>
+          <a:p>
+            <a:r>
+              <a:rPr lang="en-US" dirty="0"/>
+              <a:t>Different styles of click handlers</a:t>
+            </a:r>
+          </a:p>
+          <a:p>
+            <a:r>
+              <a:rPr lang="en-US" dirty="0"/>
+              <a:t>Passing parameters to event handlers</a:t>
+            </a:r>
+          </a:p>
+          <a:p>
+            <a:r>
+              <a:rPr lang="en-US" dirty="0"/>
+              <a:t>Combining parameters and event information using </a:t>
+            </a:r>
+            <a:r>
+              <a:rPr lang="en-US" dirty="0">
+                <a:latin typeface="Courier New" panose="02070309020205020404" pitchFamily="49" charset="0"/>
+                <a:cs typeface="Courier New" panose="02070309020205020404" pitchFamily="49" charset="0"/>
+              </a:rPr>
+              <a:t>$event</a:t>
+            </a:r>
           </a:p>
         </p:txBody>
       </p:sp>
@@ -5348,7 +5653,7 @@
           <a:p>
             <a:fld id="{FBC2DECA-0E8B-476B-A6C1-3E37488E144B}" type="slidenum">
               <a:rPr lang="en-US" smtClean="0"/>
-              <a:t>21</a:t>
+              <a:t>20</a:t>
             </a:fld>
             <a:endParaRPr lang="en-US"/>
           </a:p>
@@ -5357,7 +5662,7 @@
     </p:spTree>
     <p:extLst>
       <p:ext uri="{BB962C8B-B14F-4D97-AF65-F5344CB8AC3E}">
-        <p14:creationId xmlns:p14="http://schemas.microsoft.com/office/powerpoint/2010/main" val="912726081"/>
+        <p14:creationId xmlns:p14="http://schemas.microsoft.com/office/powerpoint/2010/main" val="1931999003"/>
       </p:ext>
     </p:extLst>
   </p:cSld>
@@ -5411,7 +5716,29 @@
           <a:bodyPr/>
           <a:lstStyle/>
           <a:p>
+            <a:r>
+              <a:rPr lang="en-US" dirty="0"/>
+              <a:t>-Show changing counter for the iterator in the </a:t>
+            </a:r>
+            <a:r>
+              <a:rPr lang="en-US" dirty="0" err="1"/>
+              <a:t>Vue</a:t>
+            </a:r>
+            <a:r>
+              <a:rPr lang="en-US" dirty="0"/>
+              <a:t> </a:t>
+            </a:r>
+            <a:r>
+              <a:rPr lang="en-US" dirty="0" err="1"/>
+              <a:t>Devtools</a:t>
+            </a:r>
             <a:endParaRPr lang="en-US" dirty="0"/>
+          </a:p>
+          <a:p>
+            <a:r>
+              <a:rPr lang="en-US" dirty="0"/>
+              <a:t>-Add v-cloak attribute</a:t>
+            </a:r>
           </a:p>
         </p:txBody>
       </p:sp>
@@ -5432,7 +5759,7 @@
           <a:p>
             <a:fld id="{FBC2DECA-0E8B-476B-A6C1-3E37488E144B}" type="slidenum">
               <a:rPr lang="en-US" smtClean="0"/>
-              <a:t>22</a:t>
+              <a:t>21</a:t>
             </a:fld>
             <a:endParaRPr lang="en-US"/>
           </a:p>
@@ -5441,7 +5768,7 @@
     </p:spTree>
     <p:extLst>
       <p:ext uri="{BB962C8B-B14F-4D97-AF65-F5344CB8AC3E}">
-        <p14:creationId xmlns:p14="http://schemas.microsoft.com/office/powerpoint/2010/main" val="1550893729"/>
+        <p14:creationId xmlns:p14="http://schemas.microsoft.com/office/powerpoint/2010/main" val="912726081"/>
       </p:ext>
     </p:extLst>
   </p:cSld>
@@ -5495,170 +5822,6 @@
           <a:bodyPr/>
           <a:lstStyle/>
           <a:p>
-            <a:r>
-              <a:rPr lang="en-US" sz="1200" b="0" i="0" kern="1200" dirty="0">
-                <a:solidFill>
-                  <a:schemeClr val="tx1"/>
-                </a:solidFill>
-                <a:effectLst/>
-                <a:latin typeface="+mn-lt"/>
-                <a:ea typeface="+mn-ea"/>
-                <a:cs typeface="+mn-cs"/>
-              </a:rPr>
-              <a:t>Components are one of the most powerful features of </a:t>
-            </a:r>
-            <a:r>
-              <a:rPr lang="en-US" sz="1200" b="0" i="0" kern="1200" dirty="0" err="1">
-                <a:solidFill>
-                  <a:schemeClr val="tx1"/>
-                </a:solidFill>
-                <a:effectLst/>
-                <a:latin typeface="+mn-lt"/>
-                <a:ea typeface="+mn-ea"/>
-                <a:cs typeface="+mn-cs"/>
-              </a:rPr>
-              <a:t>Vue</a:t>
-            </a:r>
-            <a:r>
-              <a:rPr lang="en-US" sz="1200" b="0" i="0" kern="1200" dirty="0">
-                <a:solidFill>
-                  <a:schemeClr val="tx1"/>
-                </a:solidFill>
-                <a:effectLst/>
-                <a:latin typeface="+mn-lt"/>
-                <a:ea typeface="+mn-ea"/>
-                <a:cs typeface="+mn-cs"/>
-              </a:rPr>
-              <a:t>. They help you extend basic HTML elements to encapsulate reusable code. At a high level, components are custom elements that </a:t>
-            </a:r>
-            <a:r>
-              <a:rPr lang="en-US" sz="1200" b="0" i="0" kern="1200" dirty="0" err="1">
-                <a:solidFill>
-                  <a:schemeClr val="tx1"/>
-                </a:solidFill>
-                <a:effectLst/>
-                <a:latin typeface="+mn-lt"/>
-                <a:ea typeface="+mn-ea"/>
-                <a:cs typeface="+mn-cs"/>
-              </a:rPr>
-              <a:t>Vue’s</a:t>
-            </a:r>
-            <a:r>
-              <a:rPr lang="en-US" sz="1200" b="0" i="0" kern="1200" dirty="0">
-                <a:solidFill>
-                  <a:schemeClr val="tx1"/>
-                </a:solidFill>
-                <a:effectLst/>
-                <a:latin typeface="+mn-lt"/>
-                <a:ea typeface="+mn-ea"/>
-                <a:cs typeface="+mn-cs"/>
-              </a:rPr>
-              <a:t> compiler attaches behavior to. </a:t>
-            </a:r>
-          </a:p>
-          <a:p>
-            <a:r>
-              <a:rPr lang="en-US" sz="1200" b="0" i="0" kern="1200" dirty="0">
-                <a:solidFill>
-                  <a:schemeClr val="tx1"/>
-                </a:solidFill>
-                <a:effectLst/>
-                <a:latin typeface="+mn-lt"/>
-                <a:ea typeface="+mn-ea"/>
-                <a:cs typeface="+mn-cs"/>
-              </a:rPr>
-              <a:t>All </a:t>
-            </a:r>
-            <a:r>
-              <a:rPr lang="en-US" sz="1200" b="0" i="0" kern="1200" dirty="0" err="1">
-                <a:solidFill>
-                  <a:schemeClr val="tx1"/>
-                </a:solidFill>
-                <a:effectLst/>
-                <a:latin typeface="+mn-lt"/>
-                <a:ea typeface="+mn-ea"/>
-                <a:cs typeface="+mn-cs"/>
-              </a:rPr>
-              <a:t>Vue</a:t>
-            </a:r>
-            <a:r>
-              <a:rPr lang="en-US" sz="1200" b="0" i="0" kern="1200" dirty="0">
-                <a:solidFill>
-                  <a:schemeClr val="tx1"/>
-                </a:solidFill>
-                <a:effectLst/>
-                <a:latin typeface="+mn-lt"/>
-                <a:ea typeface="+mn-ea"/>
-                <a:cs typeface="+mn-cs"/>
-              </a:rPr>
-              <a:t> components are also </a:t>
-            </a:r>
-            <a:r>
-              <a:rPr lang="en-US" sz="1200" b="0" i="0" kern="1200" dirty="0" err="1">
-                <a:solidFill>
-                  <a:schemeClr val="tx1"/>
-                </a:solidFill>
-                <a:effectLst/>
-                <a:latin typeface="+mn-lt"/>
-                <a:ea typeface="+mn-ea"/>
-                <a:cs typeface="+mn-cs"/>
-              </a:rPr>
-              <a:t>Vue</a:t>
-            </a:r>
-            <a:r>
-              <a:rPr lang="en-US" sz="1200" b="0" i="0" kern="1200" dirty="0">
-                <a:solidFill>
-                  <a:schemeClr val="tx1"/>
-                </a:solidFill>
-                <a:effectLst/>
-                <a:latin typeface="+mn-lt"/>
-                <a:ea typeface="+mn-ea"/>
-                <a:cs typeface="+mn-cs"/>
-              </a:rPr>
-              <a:t> instances, and so accept the same options object (except for a few root-specific options) and provide the same lifecycle hooks.</a:t>
-            </a:r>
-          </a:p>
-          <a:p>
-            <a:r>
-              <a:rPr lang="en-US" sz="1200" b="0" i="0" kern="1200" dirty="0">
-                <a:solidFill>
-                  <a:schemeClr val="tx1"/>
-                </a:solidFill>
-                <a:effectLst/>
-                <a:latin typeface="+mn-lt"/>
-                <a:ea typeface="+mn-ea"/>
-                <a:cs typeface="+mn-cs"/>
-              </a:rPr>
-              <a:t>To register a global component, you can use </a:t>
-            </a:r>
-            <a:r>
-              <a:rPr lang="en-US" dirty="0" err="1"/>
-              <a:t>Vue.component</a:t>
-            </a:r>
-            <a:r>
-              <a:rPr lang="en-US" dirty="0"/>
-              <a:t>(</a:t>
-            </a:r>
-            <a:r>
-              <a:rPr lang="en-US" dirty="0" err="1"/>
-              <a:t>tagName</a:t>
-            </a:r>
-            <a:r>
-              <a:rPr lang="en-US" dirty="0"/>
-              <a:t>, options)</a:t>
-            </a:r>
-            <a:r>
-              <a:rPr lang="en-US" sz="1200" b="0" i="0" kern="1200" dirty="0">
-                <a:solidFill>
-                  <a:schemeClr val="tx1"/>
-                </a:solidFill>
-                <a:effectLst/>
-                <a:latin typeface="+mn-lt"/>
-                <a:ea typeface="+mn-ea"/>
-                <a:cs typeface="+mn-cs"/>
-              </a:rPr>
-              <a:t>. You can also do this locally using the components instance option</a:t>
-            </a:r>
             <a:endParaRPr lang="en-US" dirty="0"/>
           </a:p>
         </p:txBody>
@@ -5680,7 +5843,7 @@
           <a:p>
             <a:fld id="{FBC2DECA-0E8B-476B-A6C1-3E37488E144B}" type="slidenum">
               <a:rPr lang="en-US" smtClean="0"/>
-              <a:t>24</a:t>
+              <a:t>22</a:t>
             </a:fld>
             <a:endParaRPr lang="en-US"/>
           </a:p>
@@ -5689,7 +5852,7 @@
     </p:spTree>
     <p:extLst>
       <p:ext uri="{BB962C8B-B14F-4D97-AF65-F5344CB8AC3E}">
-        <p14:creationId xmlns:p14="http://schemas.microsoft.com/office/powerpoint/2010/main" val="4166129270"/>
+        <p14:creationId xmlns:p14="http://schemas.microsoft.com/office/powerpoint/2010/main" val="1550893729"/>
       </p:ext>
     </p:extLst>
   </p:cSld>
@@ -5744,7 +5907,7 @@
           <a:lstStyle/>
           <a:p>
             <a:r>
-              <a:rPr lang="en-US" sz="1200" b="0" i="0" u="none" strike="noStrike" kern="1200" dirty="0">
+              <a:rPr lang="en-US" sz="1200" b="0" i="0" kern="1200" dirty="0">
                 <a:solidFill>
                   <a:schemeClr val="tx1"/>
                 </a:solidFill>
@@ -5753,12 +5916,10 @@
                 <a:ea typeface="+mn-ea"/>
                 <a:cs typeface="+mn-cs"/>
               </a:rPr>
-              <a:t>Below is a diagram for the instance lifecycle. You don’t need to fully understand everything going on right now, but as you learn and build more, it will be a useful reference.</a:t>
-            </a:r>
-          </a:p>
-          <a:p>
-            <a:r>
-              <a:rPr lang="en-US" sz="1200" b="0" i="0" u="none" strike="noStrike" kern="1200" dirty="0">
+              <a:t>Components are one of the most powerful features of </a:t>
+            </a:r>
+            <a:r>
+              <a:rPr lang="en-US" sz="1200" b="0" i="0" kern="1200" dirty="0" err="1">
                 <a:solidFill>
                   <a:schemeClr val="tx1"/>
                 </a:solidFill>
@@ -5767,7 +5928,171 @@
                 <a:ea typeface="+mn-ea"/>
                 <a:cs typeface="+mn-cs"/>
               </a:rPr>
-              <a:t>It is a very good place to go and check if you are stuck.</a:t>
+              <a:t>Vue</a:t>
+            </a:r>
+            <a:r>
+              <a:rPr lang="en-US" sz="1200" b="0" i="0" kern="1200" dirty="0">
+                <a:solidFill>
+                  <a:schemeClr val="tx1"/>
+                </a:solidFill>
+                <a:effectLst/>
+                <a:latin typeface="+mn-lt"/>
+                <a:ea typeface="+mn-ea"/>
+                <a:cs typeface="+mn-cs"/>
+              </a:rPr>
+              <a:t>. They help you extend basic HTML elements to encapsulate reusable code. At a high level, components are custom elements that </a:t>
+            </a:r>
+            <a:r>
+              <a:rPr lang="en-US" sz="1200" b="0" i="0" kern="1200" dirty="0" err="1">
+                <a:solidFill>
+                  <a:schemeClr val="tx1"/>
+                </a:solidFill>
+                <a:effectLst/>
+                <a:latin typeface="+mn-lt"/>
+                <a:ea typeface="+mn-ea"/>
+                <a:cs typeface="+mn-cs"/>
+              </a:rPr>
+              <a:t>Vue’s</a:t>
+            </a:r>
+            <a:r>
+              <a:rPr lang="en-US" sz="1200" b="0" i="0" kern="1200" dirty="0">
+                <a:solidFill>
+                  <a:schemeClr val="tx1"/>
+                </a:solidFill>
+                <a:effectLst/>
+                <a:latin typeface="+mn-lt"/>
+                <a:ea typeface="+mn-ea"/>
+                <a:cs typeface="+mn-cs"/>
+              </a:rPr>
+              <a:t> compiler attaches behavior to. </a:t>
+            </a:r>
+          </a:p>
+          <a:p>
+            <a:r>
+              <a:rPr lang="en-US" sz="1200" b="0" i="0" kern="1200" dirty="0">
+                <a:solidFill>
+                  <a:schemeClr val="tx1"/>
+                </a:solidFill>
+                <a:effectLst/>
+                <a:latin typeface="+mn-lt"/>
+                <a:ea typeface="+mn-ea"/>
+                <a:cs typeface="+mn-cs"/>
+              </a:rPr>
+              <a:t>All </a:t>
+            </a:r>
+            <a:r>
+              <a:rPr lang="en-US" sz="1200" b="0" i="0" kern="1200" dirty="0" err="1">
+                <a:solidFill>
+                  <a:schemeClr val="tx1"/>
+                </a:solidFill>
+                <a:effectLst/>
+                <a:latin typeface="+mn-lt"/>
+                <a:ea typeface="+mn-ea"/>
+                <a:cs typeface="+mn-cs"/>
+              </a:rPr>
+              <a:t>Vue</a:t>
+            </a:r>
+            <a:r>
+              <a:rPr lang="en-US" sz="1200" b="0" i="0" kern="1200" dirty="0">
+                <a:solidFill>
+                  <a:schemeClr val="tx1"/>
+                </a:solidFill>
+                <a:effectLst/>
+                <a:latin typeface="+mn-lt"/>
+                <a:ea typeface="+mn-ea"/>
+                <a:cs typeface="+mn-cs"/>
+              </a:rPr>
+              <a:t> components are also </a:t>
+            </a:r>
+            <a:r>
+              <a:rPr lang="en-US" sz="1200" b="0" i="0" kern="1200" dirty="0" err="1">
+                <a:solidFill>
+                  <a:schemeClr val="tx1"/>
+                </a:solidFill>
+                <a:effectLst/>
+                <a:latin typeface="+mn-lt"/>
+                <a:ea typeface="+mn-ea"/>
+                <a:cs typeface="+mn-cs"/>
+              </a:rPr>
+              <a:t>Vue</a:t>
+            </a:r>
+            <a:r>
+              <a:rPr lang="en-US" sz="1200" b="0" i="0" kern="1200" dirty="0">
+                <a:solidFill>
+                  <a:schemeClr val="tx1"/>
+                </a:solidFill>
+                <a:effectLst/>
+                <a:latin typeface="+mn-lt"/>
+                <a:ea typeface="+mn-ea"/>
+                <a:cs typeface="+mn-cs"/>
+              </a:rPr>
+              <a:t> instances, and so accept the same options object (except for a few root-specific options) and provide the same lifecycle hooks.</a:t>
+            </a:r>
+          </a:p>
+          <a:p>
+            <a:r>
+              <a:rPr lang="en-US" sz="1200" b="0" i="0" kern="1200" dirty="0">
+                <a:solidFill>
+                  <a:schemeClr val="tx1"/>
+                </a:solidFill>
+                <a:effectLst/>
+                <a:latin typeface="+mn-lt"/>
+                <a:ea typeface="+mn-ea"/>
+                <a:cs typeface="+mn-cs"/>
+              </a:rPr>
+              <a:t>To register a global component, you can use </a:t>
+            </a:r>
+            <a:r>
+              <a:rPr lang="en-US" dirty="0" err="1"/>
+              <a:t>Vue.component</a:t>
+            </a:r>
+            <a:r>
+              <a:rPr lang="en-US" dirty="0"/>
+              <a:t>(</a:t>
+            </a:r>
+            <a:r>
+              <a:rPr lang="en-US" dirty="0" err="1"/>
+              <a:t>tagName</a:t>
+            </a:r>
+            <a:r>
+              <a:rPr lang="en-US" dirty="0"/>
+              <a:t>, options)</a:t>
+            </a:r>
+            <a:r>
+              <a:rPr lang="en-US" sz="1200" b="0" i="0" kern="1200" dirty="0">
+                <a:solidFill>
+                  <a:schemeClr val="tx1"/>
+                </a:solidFill>
+                <a:effectLst/>
+                <a:latin typeface="+mn-lt"/>
+                <a:ea typeface="+mn-ea"/>
+                <a:cs typeface="+mn-cs"/>
+              </a:rPr>
+              <a:t>. You can also do this locally using the components instance option on a </a:t>
+            </a:r>
+            <a:r>
+              <a:rPr lang="en-US" sz="1200" b="0" i="0" kern="1200" dirty="0" err="1">
+                <a:solidFill>
+                  <a:schemeClr val="tx1"/>
+                </a:solidFill>
+                <a:effectLst/>
+                <a:latin typeface="+mn-lt"/>
+                <a:ea typeface="+mn-ea"/>
+                <a:cs typeface="+mn-cs"/>
+              </a:rPr>
+              <a:t>Vue</a:t>
+            </a:r>
+            <a:r>
+              <a:rPr lang="en-US" sz="1200" b="0" i="0" kern="1200" dirty="0">
+                <a:solidFill>
+                  <a:schemeClr val="tx1"/>
+                </a:solidFill>
+                <a:effectLst/>
+                <a:latin typeface="+mn-lt"/>
+                <a:ea typeface="+mn-ea"/>
+                <a:cs typeface="+mn-cs"/>
+              </a:rPr>
+              <a:t> instance.</a:t>
             </a:r>
             <a:endParaRPr lang="en-US" dirty="0"/>
           </a:p>
@@ -5790,7 +6115,7 @@
           <a:p>
             <a:fld id="{FBC2DECA-0E8B-476B-A6C1-3E37488E144B}" type="slidenum">
               <a:rPr lang="en-US" smtClean="0"/>
-              <a:t>27</a:t>
+              <a:t>24</a:t>
             </a:fld>
             <a:endParaRPr lang="en-US"/>
           </a:p>
@@ -5799,7 +6124,7 @@
     </p:spTree>
     <p:extLst>
       <p:ext uri="{BB962C8B-B14F-4D97-AF65-F5344CB8AC3E}">
-        <p14:creationId xmlns:p14="http://schemas.microsoft.com/office/powerpoint/2010/main" val="3558632938"/>
+        <p14:creationId xmlns:p14="http://schemas.microsoft.com/office/powerpoint/2010/main" val="4166129270"/>
       </p:ext>
     </p:extLst>
   </p:cSld>
@@ -5853,56 +6178,32 @@
           <a:bodyPr/>
           <a:lstStyle/>
           <a:p>
-            <a:pPr marL="0" marR="0" lvl="0" indent="0" algn="l" defTabSz="914400" rtl="0" eaLnBrk="1" fontAlgn="auto" latinLnBrk="0" hangingPunct="1">
-              <a:lnSpc>
-                <a:spcPct val="100000"/>
-              </a:lnSpc>
-              <a:spcBef>
-                <a:spcPts val="0"/>
-              </a:spcBef>
-              <a:spcAft>
-                <a:spcPts val="0"/>
-              </a:spcAft>
-              <a:buClrTx/>
-              <a:buSzTx/>
-              <a:buFontTx/>
-              <a:buNone/>
-              <a:tabLst/>
-              <a:defRPr/>
-            </a:pPr>
-            <a:r>
-              <a:rPr lang="en-US" dirty="0"/>
-              <a:t>Can actually access the underlying kendo widget using </a:t>
-            </a:r>
-            <a:r>
-              <a:rPr lang="en-US" dirty="0">
-                <a:latin typeface="Courier New" panose="02070309020205020404" pitchFamily="49" charset="0"/>
-                <a:cs typeface="Courier New" panose="02070309020205020404" pitchFamily="49" charset="0"/>
+            <a:r>
+              <a:rPr lang="en-US" sz="1200" b="0" i="0" u="none" strike="noStrike" kern="1200" dirty="0">
+                <a:solidFill>
+                  <a:schemeClr val="tx1"/>
+                </a:solidFill>
+                <a:effectLst/>
+                <a:latin typeface="+mn-lt"/>
+                <a:ea typeface="+mn-ea"/>
+                <a:cs typeface="+mn-cs"/>
               </a:rPr>
-              <a:t>.</a:t>
-            </a:r>
-            <a:r>
-              <a:rPr lang="en-US" dirty="0" err="1">
-                <a:latin typeface="Courier New" panose="02070309020205020404" pitchFamily="49" charset="0"/>
-                <a:cs typeface="Courier New" panose="02070309020205020404" pitchFamily="49" charset="0"/>
+              <a:t>Below is a diagram for the instance lifecycle. You don’t need to fully understand everything going on right now, but as you learn and build more, it will be a useful reference.</a:t>
+            </a:r>
+          </a:p>
+          <a:p>
+            <a:r>
+              <a:rPr lang="en-US" sz="1200" b="0" i="0" u="none" strike="noStrike" kern="1200" dirty="0">
+                <a:solidFill>
+                  <a:schemeClr val="tx1"/>
+                </a:solidFill>
+                <a:effectLst/>
+                <a:latin typeface="+mn-lt"/>
+                <a:ea typeface="+mn-ea"/>
+                <a:cs typeface="+mn-cs"/>
               </a:rPr>
-              <a:t>kendoWidget</a:t>
-            </a:r>
-            <a:r>
-              <a:rPr lang="en-US" dirty="0">
-                <a:latin typeface="Courier New" panose="02070309020205020404" pitchFamily="49" charset="0"/>
-                <a:cs typeface="Courier New" panose="02070309020205020404" pitchFamily="49" charset="0"/>
-              </a:rPr>
-              <a:t>()</a:t>
-            </a:r>
-          </a:p>
-          <a:p>
-            <a:r>
-              <a:rPr lang="en-US" dirty="0"/>
-              <a:t>Implemented as plugins &lt;Widget&gt;Installer which do the heavy lifting</a:t>
-            </a:r>
-          </a:p>
-          <a:p>
+              <a:t>It is a very good place to go and check if you are stuck.</a:t>
+            </a:r>
             <a:endParaRPr lang="en-US" dirty="0"/>
           </a:p>
         </p:txBody>
@@ -5924,7 +6225,7 @@
           <a:p>
             <a:fld id="{FBC2DECA-0E8B-476B-A6C1-3E37488E144B}" type="slidenum">
               <a:rPr lang="en-US" smtClean="0"/>
-              <a:t>28</a:t>
+              <a:t>27</a:t>
             </a:fld>
             <a:endParaRPr lang="en-US"/>
           </a:p>
@@ -5933,7 +6234,7 @@
     </p:spTree>
     <p:extLst>
       <p:ext uri="{BB962C8B-B14F-4D97-AF65-F5344CB8AC3E}">
-        <p14:creationId xmlns:p14="http://schemas.microsoft.com/office/powerpoint/2010/main" val="3116084790"/>
+        <p14:creationId xmlns:p14="http://schemas.microsoft.com/office/powerpoint/2010/main" val="3558632938"/>
       </p:ext>
     </p:extLst>
   </p:cSld>
@@ -5989,13 +6290,31 @@
           <a:p>
             <a:r>
               <a:rPr lang="en-US" dirty="0"/>
-              <a:t>With more than 30 hours of technical content created in partnership with New Venture Software, Virtual Classroom is designed to quickly get you onboard and successful with our developer tools whether you’ve been using them for years or are new to the suite. Each session will provide practical knowledge combined with helpful approaches to application development.</a:t>
+              <a:t>Progress has a long history of providing tools to make developers happy and successful.</a:t>
             </a:r>
           </a:p>
           <a:p>
             <a:r>
               <a:rPr lang="en-US" dirty="0"/>
-              <a:t>The recorded on-demand training videos, slides and demos will be available shortly after the corresponding live training is complete, and all training sessions will be refreshed after each major release. You'll also have access to all the training materials including slides and demos.</a:t>
+              <a:t>That’s why, when looking new ways to bring value to the customers and thank them for their loyalty, training came to mind.</a:t>
+            </a:r>
+          </a:p>
+          <a:p>
+            <a:endParaRPr lang="en-US" dirty="0"/>
+          </a:p>
+          <a:p>
+            <a:r>
+              <a:rPr lang="en-US" dirty="0"/>
+              <a:t>We understand developers have a choice when it comes to selecting a UI vendor – and we believe that when users decide to partner with Progress, they are getting the very best UI, the very best support and now the very best training at no additional out of pocket expense.</a:t>
+            </a:r>
+          </a:p>
+          <a:p>
+            <a:endParaRPr lang="en-US" dirty="0"/>
+          </a:p>
+          <a:p>
+            <a:r>
+              <a:rPr lang="en-US" dirty="0"/>
+              <a:t>I’m proud to welcome you to the Virtual Classroom, a free training program for Telerik active license holders.</a:t>
             </a:r>
           </a:p>
         </p:txBody>
@@ -6017,7 +6336,7 @@
           <a:p>
             <a:fld id="{FBC2DECA-0E8B-476B-A6C1-3E37488E144B}" type="slidenum">
               <a:rPr lang="en-US" smtClean="0"/>
-              <a:t>3</a:t>
+              <a:t>2</a:t>
             </a:fld>
             <a:endParaRPr lang="en-US"/>
           </a:p>
@@ -6026,7 +6345,7 @@
     </p:spTree>
     <p:extLst>
       <p:ext uri="{BB962C8B-B14F-4D97-AF65-F5344CB8AC3E}">
-        <p14:creationId xmlns:p14="http://schemas.microsoft.com/office/powerpoint/2010/main" val="582798410"/>
+        <p14:creationId xmlns:p14="http://schemas.microsoft.com/office/powerpoint/2010/main" val="127284437"/>
       </p:ext>
     </p:extLst>
   </p:cSld>
@@ -6080,476 +6399,54 @@
           <a:bodyPr/>
           <a:lstStyle/>
           <a:p>
-            <a:r>
-              <a:rPr lang="en-US" sz="1200" b="0" i="0" u="none" strike="noStrike" kern="1200" dirty="0">
-                <a:solidFill>
-                  <a:schemeClr val="tx1"/>
-                </a:solidFill>
-                <a:effectLst/>
-                <a:latin typeface="+mn-lt"/>
-                <a:ea typeface="+mn-ea"/>
-                <a:cs typeface="+mn-cs"/>
-              </a:rPr>
-              <a:t>In many Vue projects, global components will be defined using </a:t>
-            </a:r>
-            <a:r>
-              <a:rPr lang="en-US" sz="1200" b="0" i="0" u="none" strike="noStrike" kern="1200" dirty="0" err="1">
-                <a:solidFill>
-                  <a:schemeClr val="tx1"/>
-                </a:solidFill>
-                <a:effectLst/>
-                <a:latin typeface="+mn-lt"/>
-                <a:ea typeface="+mn-ea"/>
-                <a:cs typeface="+mn-cs"/>
-              </a:rPr>
-              <a:t>Vue.component</a:t>
-            </a:r>
-            <a:r>
-              <a:rPr lang="en-US" sz="1200" b="0" i="0" u="none" strike="noStrike" kern="1200" dirty="0">
-                <a:solidFill>
-                  <a:schemeClr val="tx1"/>
-                </a:solidFill>
-                <a:effectLst/>
-                <a:latin typeface="+mn-lt"/>
-                <a:ea typeface="+mn-ea"/>
-                <a:cs typeface="+mn-cs"/>
-              </a:rPr>
-              <a:t>, followed by new Vue({ el: '#container' }) to target a container element in the body of every page.</a:t>
-            </a:r>
-          </a:p>
-          <a:p>
-            <a:r>
-              <a:rPr lang="en-US" sz="1200" b="0" i="0" u="none" strike="noStrike" kern="1200" dirty="0">
-                <a:solidFill>
-                  <a:schemeClr val="tx1"/>
-                </a:solidFill>
-                <a:effectLst/>
-                <a:latin typeface="+mn-lt"/>
-                <a:ea typeface="+mn-ea"/>
-                <a:cs typeface="+mn-cs"/>
-              </a:rPr>
-              <a:t>This can work very well for small to medium-sized projects, where JavaScript is only used to enhance certain views. In more complex projects however, or when your frontend is entirely driven by JavaScript, these disadvantages become apparent:</a:t>
-            </a:r>
-          </a:p>
-          <a:p>
-            <a:pPr marL="171450" indent="-171450">
-              <a:buFont typeface="Arial" panose="020B0604020202020204" pitchFamily="34" charset="0"/>
-              <a:buChar char="•"/>
+            <a:pPr marL="0" marR="0" lvl="0" indent="0" algn="l" defTabSz="914400" rtl="0" eaLnBrk="1" fontAlgn="auto" latinLnBrk="0" hangingPunct="1">
+              <a:lnSpc>
+                <a:spcPct val="100000"/>
+              </a:lnSpc>
+              <a:spcBef>
+                <a:spcPts val="0"/>
+              </a:spcBef>
+              <a:spcAft>
+                <a:spcPts val="0"/>
+              </a:spcAft>
+              <a:buClrTx/>
+              <a:buSzTx/>
+              <a:buFontTx/>
+              <a:buNone/>
+              <a:tabLst/>
+              <a:defRPr/>
             </a:pPr>
             <a:r>
-              <a:rPr lang="en-US" sz="1200" b="1" i="0" u="none" strike="noStrike" kern="1200" dirty="0">
-                <a:solidFill>
-                  <a:schemeClr val="tx1"/>
-                </a:solidFill>
-                <a:effectLst/>
-                <a:latin typeface="+mn-lt"/>
-                <a:ea typeface="+mn-ea"/>
-                <a:cs typeface="+mn-cs"/>
-              </a:rPr>
-              <a:t>Global definitions</a:t>
-            </a:r>
-            <a:r>
-              <a:rPr lang="en-US" sz="1200" b="0" i="0" u="none" strike="noStrike" kern="1200" dirty="0">
-                <a:solidFill>
-                  <a:schemeClr val="tx1"/>
-                </a:solidFill>
-                <a:effectLst/>
-                <a:latin typeface="+mn-lt"/>
-                <a:ea typeface="+mn-ea"/>
-                <a:cs typeface="+mn-cs"/>
-              </a:rPr>
-              <a:t> force unique names for every component</a:t>
-            </a:r>
-          </a:p>
-          <a:p>
-            <a:pPr marL="171450" indent="-171450">
-              <a:buFont typeface="Arial" panose="020B0604020202020204" pitchFamily="34" charset="0"/>
-              <a:buChar char="•"/>
-            </a:pPr>
-            <a:r>
-              <a:rPr lang="en-US" sz="1200" b="1" i="0" u="none" strike="noStrike" kern="1200" dirty="0">
-                <a:solidFill>
-                  <a:schemeClr val="tx1"/>
-                </a:solidFill>
-                <a:effectLst/>
-                <a:latin typeface="+mn-lt"/>
-                <a:ea typeface="+mn-ea"/>
-                <a:cs typeface="+mn-cs"/>
-              </a:rPr>
-              <a:t>String templates</a:t>
-            </a:r>
-            <a:r>
-              <a:rPr lang="en-US" sz="1200" b="0" i="0" u="none" strike="noStrike" kern="1200" dirty="0">
-                <a:solidFill>
-                  <a:schemeClr val="tx1"/>
-                </a:solidFill>
-                <a:effectLst/>
-                <a:latin typeface="+mn-lt"/>
-                <a:ea typeface="+mn-ea"/>
-                <a:cs typeface="+mn-cs"/>
-              </a:rPr>
-              <a:t> lack syntax highlighting and require ugly slashes for multiline HTML</a:t>
-            </a:r>
-          </a:p>
-          <a:p>
-            <a:pPr marL="171450" indent="-171450">
-              <a:buFont typeface="Arial" panose="020B0604020202020204" pitchFamily="34" charset="0"/>
-              <a:buChar char="•"/>
-            </a:pPr>
-            <a:r>
-              <a:rPr lang="en-US" sz="1200" b="1" i="0" u="none" strike="noStrike" kern="1200" dirty="0">
-                <a:solidFill>
-                  <a:schemeClr val="tx1"/>
-                </a:solidFill>
-                <a:effectLst/>
-                <a:latin typeface="+mn-lt"/>
-                <a:ea typeface="+mn-ea"/>
-                <a:cs typeface="+mn-cs"/>
-              </a:rPr>
-              <a:t>No CSS support</a:t>
-            </a:r>
-            <a:r>
-              <a:rPr lang="en-US" sz="1200" b="0" i="0" u="none" strike="noStrike" kern="1200" dirty="0">
-                <a:solidFill>
-                  <a:schemeClr val="tx1"/>
-                </a:solidFill>
-                <a:effectLst/>
-                <a:latin typeface="+mn-lt"/>
-                <a:ea typeface="+mn-ea"/>
-                <a:cs typeface="+mn-cs"/>
-              </a:rPr>
-              <a:t> means that while HTML and JavaScript are modularized into components, CSS is conspicuously left out</a:t>
-            </a:r>
-          </a:p>
-          <a:p>
-            <a:pPr marL="171450" indent="-171450">
-              <a:buFont typeface="Arial" panose="020B0604020202020204" pitchFamily="34" charset="0"/>
-              <a:buChar char="•"/>
-            </a:pPr>
-            <a:r>
-              <a:rPr lang="en-US" sz="1200" b="1" i="0" u="none" strike="noStrike" kern="1200" dirty="0">
-                <a:solidFill>
-                  <a:schemeClr val="tx1"/>
-                </a:solidFill>
-                <a:effectLst/>
-                <a:latin typeface="+mn-lt"/>
-                <a:ea typeface="+mn-ea"/>
-                <a:cs typeface="+mn-cs"/>
-              </a:rPr>
-              <a:t>No build step</a:t>
-            </a:r>
-            <a:r>
-              <a:rPr lang="en-US" sz="1200" b="0" i="0" u="none" strike="noStrike" kern="1200" dirty="0">
-                <a:solidFill>
-                  <a:schemeClr val="tx1"/>
-                </a:solidFill>
-                <a:effectLst/>
-                <a:latin typeface="+mn-lt"/>
-                <a:ea typeface="+mn-ea"/>
-                <a:cs typeface="+mn-cs"/>
-              </a:rPr>
-              <a:t> restricts us to HTML and ES5 JavaScript, rather than preprocessors like Pug (formerly Jade) and Babel</a:t>
-            </a:r>
-          </a:p>
-          <a:p>
-            <a:r>
-              <a:rPr lang="en-US" sz="1200" b="0" i="0" u="none" strike="noStrike" kern="1200" dirty="0">
-                <a:solidFill>
-                  <a:schemeClr val="tx1"/>
-                </a:solidFill>
-                <a:effectLst/>
-                <a:latin typeface="+mn-lt"/>
-                <a:ea typeface="+mn-ea"/>
-                <a:cs typeface="+mn-cs"/>
-              </a:rPr>
-              <a:t>All of these are solved by </a:t>
-            </a:r>
-            <a:r>
-              <a:rPr lang="en-US" sz="1200" b="1" i="0" u="none" strike="noStrike" kern="1200" dirty="0">
-                <a:solidFill>
-                  <a:schemeClr val="tx1"/>
-                </a:solidFill>
-                <a:effectLst/>
-                <a:latin typeface="+mn-lt"/>
-                <a:ea typeface="+mn-ea"/>
-                <a:cs typeface="+mn-cs"/>
-              </a:rPr>
-              <a:t>single-file components</a:t>
-            </a:r>
-            <a:r>
-              <a:rPr lang="en-US" sz="1200" b="0" i="0" u="none" strike="noStrike" kern="1200" dirty="0">
-                <a:solidFill>
-                  <a:schemeClr val="tx1"/>
-                </a:solidFill>
-                <a:effectLst/>
-                <a:latin typeface="+mn-lt"/>
-                <a:ea typeface="+mn-ea"/>
-                <a:cs typeface="+mn-cs"/>
-              </a:rPr>
-              <a:t> with a .</a:t>
-            </a:r>
-            <a:r>
-              <a:rPr lang="en-US" sz="1200" b="0" i="0" u="none" strike="noStrike" kern="1200" dirty="0" err="1">
-                <a:solidFill>
-                  <a:schemeClr val="tx1"/>
-                </a:solidFill>
-                <a:effectLst/>
-                <a:latin typeface="+mn-lt"/>
-                <a:ea typeface="+mn-ea"/>
-                <a:cs typeface="+mn-cs"/>
-              </a:rPr>
-              <a:t>vue</a:t>
-            </a:r>
-            <a:r>
-              <a:rPr lang="en-US" sz="1200" b="0" i="0" u="none" strike="noStrike" kern="1200" dirty="0">
-                <a:solidFill>
-                  <a:schemeClr val="tx1"/>
-                </a:solidFill>
-                <a:effectLst/>
-                <a:latin typeface="+mn-lt"/>
-                <a:ea typeface="+mn-ea"/>
-                <a:cs typeface="+mn-cs"/>
-              </a:rPr>
-              <a:t> extension, made possible with build tools such as Webpack or </a:t>
-            </a:r>
-            <a:r>
-              <a:rPr lang="en-US" sz="1200" b="0" i="0" u="none" strike="noStrike" kern="1200" dirty="0" err="1">
-                <a:solidFill>
-                  <a:schemeClr val="tx1"/>
-                </a:solidFill>
-                <a:effectLst/>
-                <a:latin typeface="+mn-lt"/>
-                <a:ea typeface="+mn-ea"/>
-                <a:cs typeface="+mn-cs"/>
-              </a:rPr>
-              <a:t>Browserify</a:t>
-            </a:r>
-            <a:r>
-              <a:rPr lang="en-US" sz="1200" b="0" i="0" u="none" strike="noStrike" kern="1200" dirty="0">
-                <a:solidFill>
-                  <a:schemeClr val="tx1"/>
-                </a:solidFill>
-                <a:effectLst/>
-                <a:latin typeface="+mn-lt"/>
-                <a:ea typeface="+mn-ea"/>
-                <a:cs typeface="+mn-cs"/>
+              <a:rPr lang="en-US" dirty="0"/>
+              <a:t>Can actually access the underlying kendo widget using </a:t>
+            </a:r>
+            <a:r>
+              <a:rPr lang="en-US" dirty="0">
+                <a:latin typeface="Courier New" panose="02070309020205020404" pitchFamily="49" charset="0"/>
+                <a:cs typeface="Courier New" panose="02070309020205020404" pitchFamily="49" charset="0"/>
               </a:rPr>
               <a:t>.</a:t>
             </a:r>
-          </a:p>
-          <a:p>
-            <a:endParaRPr lang="en-US" dirty="0"/>
-          </a:p>
-          <a:p>
-            <a:endParaRPr lang="en-US" sz="1200" b="0" i="0" u="none" strike="noStrike" kern="1200" dirty="0">
-              <a:solidFill>
-                <a:schemeClr val="tx1"/>
-              </a:solidFill>
-              <a:effectLst/>
-              <a:latin typeface="+mn-lt"/>
-              <a:ea typeface="+mn-ea"/>
-              <a:cs typeface="+mn-cs"/>
-            </a:endParaRPr>
-          </a:p>
-          <a:p>
-            <a:r>
-              <a:rPr lang="en-US" sz="1200" b="0" i="0" u="none" strike="noStrike" kern="1200" dirty="0">
-                <a:solidFill>
-                  <a:schemeClr val="tx1"/>
-                </a:solidFill>
-                <a:effectLst/>
-                <a:latin typeface="+mn-lt"/>
-                <a:ea typeface="+mn-ea"/>
-                <a:cs typeface="+mn-cs"/>
+            <a:r>
+              <a:rPr lang="en-US" dirty="0" err="1">
+                <a:latin typeface="Courier New" panose="02070309020205020404" pitchFamily="49" charset="0"/>
+                <a:cs typeface="Courier New" panose="02070309020205020404" pitchFamily="49" charset="0"/>
               </a:rPr>
-              <a:t>Now we get:</a:t>
-            </a:r>
-          </a:p>
-          <a:p>
-            <a:r>
-              <a:rPr lang="en-US" sz="1200" b="1" i="0" u="none" strike="noStrike" kern="1200" dirty="0">
-                <a:solidFill>
-                  <a:schemeClr val="tx1"/>
-                </a:solidFill>
-                <a:effectLst/>
-                <a:latin typeface="+mn-lt"/>
-                <a:ea typeface="+mn-ea"/>
-                <a:cs typeface="+mn-cs"/>
-                <a:hlinkClick r:id="rId3"/>
+              <a:t>kendoWidget</a:t>
+            </a:r>
+            <a:r>
+              <a:rPr lang="en-US" dirty="0">
+                <a:latin typeface="Courier New" panose="02070309020205020404" pitchFamily="49" charset="0"/>
+                <a:cs typeface="Courier New" panose="02070309020205020404" pitchFamily="49" charset="0"/>
               </a:rPr>
-              <a:t>Complete syntax highlighting</a:t>
-            </a:r>
-            <a:endParaRPr lang="en-US" sz="1200" b="0" i="0" u="none" strike="noStrike" kern="1200" dirty="0">
-              <a:solidFill>
-                <a:schemeClr val="tx1"/>
-              </a:solidFill>
-              <a:effectLst/>
-              <a:latin typeface="+mn-lt"/>
-              <a:ea typeface="+mn-ea"/>
-              <a:cs typeface="+mn-cs"/>
-            </a:endParaRPr>
-          </a:p>
-          <a:p>
-            <a:r>
-              <a:rPr lang="en-US" sz="1200" b="1" i="0" u="none" strike="noStrike" kern="1200" dirty="0" err="1">
-                <a:solidFill>
-                  <a:schemeClr val="tx1"/>
-                </a:solidFill>
-                <a:effectLst/>
-                <a:latin typeface="+mn-lt"/>
-                <a:ea typeface="+mn-ea"/>
-                <a:cs typeface="+mn-cs"/>
-                <a:hlinkClick r:id="rId4"/>
-              </a:rPr>
-              <a:t>CommonJS</a:t>
-            </a:r>
-            <a:r>
-              <a:rPr lang="en-US" sz="1200" b="1" i="0" u="none" strike="noStrike" kern="1200" dirty="0">
-                <a:solidFill>
-                  <a:schemeClr val="tx1"/>
-                </a:solidFill>
-                <a:effectLst/>
-                <a:latin typeface="+mn-lt"/>
-                <a:ea typeface="+mn-ea"/>
-                <a:cs typeface="+mn-cs"/>
-                <a:hlinkClick r:id="rId4"/>
-              </a:rPr>
-              <a:t> modules</a:t>
-            </a:r>
-            <a:endParaRPr lang="en-US" sz="1200" b="0" i="0" u="none" strike="noStrike" kern="1200" dirty="0">
-              <a:solidFill>
-                <a:schemeClr val="tx1"/>
-              </a:solidFill>
-              <a:effectLst/>
-              <a:latin typeface="+mn-lt"/>
-              <a:ea typeface="+mn-ea"/>
-              <a:cs typeface="+mn-cs"/>
-            </a:endParaRPr>
-          </a:p>
-          <a:p>
-            <a:r>
-              <a:rPr lang="en-US" sz="1200" b="1" i="0" u="none" strike="noStrike" kern="1200" dirty="0">
-                <a:solidFill>
-                  <a:schemeClr val="tx1"/>
-                </a:solidFill>
-                <a:effectLst/>
-                <a:latin typeface="+mn-lt"/>
-                <a:ea typeface="+mn-ea"/>
-                <a:cs typeface="+mn-cs"/>
-                <a:hlinkClick r:id="rId5"/>
-              </a:rPr>
-              <a:t>Component-scoped CSS</a:t>
-            </a:r>
-            <a:endParaRPr lang="en-US" sz="1200" b="0" i="0" u="none" strike="noStrike" kern="1200" dirty="0">
-              <a:solidFill>
-                <a:schemeClr val="tx1"/>
-              </a:solidFill>
-              <a:effectLst/>
-              <a:latin typeface="+mn-lt"/>
-              <a:ea typeface="+mn-ea"/>
-              <a:cs typeface="+mn-cs"/>
-            </a:endParaRPr>
-          </a:p>
-          <a:p>
-            <a:r>
-              <a:rPr lang="en-US" sz="1200" b="0" i="0" u="none" strike="noStrike" kern="1200" dirty="0">
-                <a:solidFill>
-                  <a:schemeClr val="tx1"/>
-                </a:solidFill>
-                <a:effectLst/>
-                <a:latin typeface="+mn-lt"/>
-                <a:ea typeface="+mn-ea"/>
-                <a:cs typeface="+mn-cs"/>
-              </a:rPr>
-              <a:t>We can also use preprocessors such as Pug, Babel (with ES2015 modules), and Stylus for cleaner and more feature-rich components.</a:t>
-            </a:r>
-          </a:p>
-          <a:p>
-            <a:endParaRPr lang="en-US" sz="1200" b="0" i="0" u="none" strike="noStrike" kern="1200" dirty="0">
-              <a:solidFill>
-                <a:schemeClr val="tx1"/>
-              </a:solidFill>
-              <a:effectLst/>
-              <a:latin typeface="+mn-lt"/>
-              <a:ea typeface="+mn-ea"/>
-              <a:cs typeface="+mn-cs"/>
-            </a:endParaRPr>
-          </a:p>
-          <a:p>
-            <a:r>
-              <a:rPr lang="en-US" sz="1200" b="1" i="0" u="none" strike="noStrike" kern="1200" dirty="0">
-                <a:solidFill>
-                  <a:schemeClr val="tx1"/>
-                </a:solidFill>
-                <a:effectLst/>
-                <a:latin typeface="+mn-lt"/>
-                <a:ea typeface="+mn-ea"/>
-                <a:cs typeface="+mn-cs"/>
-                <a:hlinkClick r:id="rId6" tooltip="What About Separation of Concerns?"/>
-              </a:rPr>
-              <a:t>What About Separation of Concerns?</a:t>
-            </a:r>
-            <a:endParaRPr lang="en-US" sz="1200" b="1" i="0" u="none" strike="noStrike" kern="1200" dirty="0">
-              <a:solidFill>
-                <a:schemeClr val="tx1"/>
-              </a:solidFill>
-              <a:effectLst/>
-              <a:latin typeface="+mn-lt"/>
-              <a:ea typeface="+mn-ea"/>
-              <a:cs typeface="+mn-cs"/>
-            </a:endParaRPr>
-          </a:p>
-          <a:p>
-            <a:r>
-              <a:rPr lang="en-US" sz="1200" b="0" i="0" u="none" strike="noStrike" kern="1200" dirty="0">
-                <a:solidFill>
-                  <a:schemeClr val="tx1"/>
-                </a:solidFill>
-                <a:effectLst/>
-                <a:latin typeface="+mn-lt"/>
-                <a:ea typeface="+mn-ea"/>
-                <a:cs typeface="+mn-cs"/>
-              </a:rPr>
-              <a:t>One important thing to note is that </a:t>
-            </a:r>
-            <a:r>
-              <a:rPr lang="en-US" sz="1200" b="1" i="0" u="none" strike="noStrike" kern="1200" dirty="0">
-                <a:solidFill>
-                  <a:schemeClr val="tx1"/>
-                </a:solidFill>
-                <a:effectLst/>
-                <a:latin typeface="+mn-lt"/>
-                <a:ea typeface="+mn-ea"/>
-                <a:cs typeface="+mn-cs"/>
-              </a:rPr>
-              <a:t>separation of concerns is not equal to separation of file types.</a:t>
-            </a:r>
-            <a:r>
-              <a:rPr lang="en-US" sz="1200" b="0" i="0" u="none" strike="noStrike" kern="1200" dirty="0">
-                <a:solidFill>
-                  <a:schemeClr val="tx1"/>
-                </a:solidFill>
-                <a:effectLst/>
-                <a:latin typeface="+mn-lt"/>
-                <a:ea typeface="+mn-ea"/>
-                <a:cs typeface="+mn-cs"/>
-              </a:rPr>
-              <a:t> In modern UI development, the vue.js team have found that instead of dividing the codebase into three huge layers that interweave with one another, it makes much more sense to divide them into loosely-coupled components and compose them. Inside a component, its template, logic and styles are inherently coupled, and collocating them actually makes the component more cohesive and maintainable.</a:t>
-            </a:r>
-          </a:p>
-          <a:p>
-            <a:endParaRPr lang="en-US" sz="1200" b="0" i="0" u="none" strike="noStrike" kern="1200" dirty="0">
-              <a:solidFill>
-                <a:schemeClr val="tx1"/>
-              </a:solidFill>
-              <a:effectLst/>
-              <a:latin typeface="+mn-lt"/>
-              <a:ea typeface="+mn-ea"/>
-              <a:cs typeface="+mn-cs"/>
-            </a:endParaRPr>
-          </a:p>
-          <a:p>
-            <a:endParaRPr lang="en-US" dirty="0"/>
+              <a:t>()</a:t>
+            </a:r>
+          </a:p>
+          <a:p>
+            <a:r>
+              <a:rPr lang="en-US" dirty="0"/>
+              <a:t>Implemented as plugins &lt;Widget&gt;Installer which do the heavy lifting</a:t>
+            </a:r>
           </a:p>
           <a:p>
             <a:endParaRPr lang="en-US" dirty="0"/>
@@ -6573,7 +6470,7 @@
           <a:p>
             <a:fld id="{FBC2DECA-0E8B-476B-A6C1-3E37488E144B}" type="slidenum">
               <a:rPr lang="en-US" smtClean="0"/>
-              <a:t>30</a:t>
+              <a:t>28</a:t>
             </a:fld>
             <a:endParaRPr lang="en-US"/>
           </a:p>
@@ -6582,7 +6479,7 @@
     </p:spTree>
     <p:extLst>
       <p:ext uri="{BB962C8B-B14F-4D97-AF65-F5344CB8AC3E}">
-        <p14:creationId xmlns:p14="http://schemas.microsoft.com/office/powerpoint/2010/main" val="3521767611"/>
+        <p14:creationId xmlns:p14="http://schemas.microsoft.com/office/powerpoint/2010/main" val="3116084790"/>
       </p:ext>
     </p:extLst>
   </p:cSld>
@@ -6636,121 +6533,476 @@
           <a:bodyPr/>
           <a:lstStyle/>
           <a:p>
-            <a:pPr lvl="1">
-              <a:spcAft>
-                <a:spcPts val="900"/>
-              </a:spcAft>
+            <a:r>
+              <a:rPr lang="en-US" sz="1200" b="0" i="0" u="none" strike="noStrike" kern="1200" dirty="0">
+                <a:solidFill>
+                  <a:schemeClr val="tx1"/>
+                </a:solidFill>
+                <a:effectLst/>
+                <a:latin typeface="+mn-lt"/>
+                <a:ea typeface="+mn-ea"/>
+                <a:cs typeface="+mn-cs"/>
+              </a:rPr>
+              <a:t>In many Vue projects, global components will be defined using </a:t>
+            </a:r>
+            <a:r>
+              <a:rPr lang="en-US" sz="1200" b="0" i="0" u="none" strike="noStrike" kern="1200" dirty="0" err="1">
+                <a:solidFill>
+                  <a:schemeClr val="tx1"/>
+                </a:solidFill>
+                <a:effectLst/>
+                <a:latin typeface="+mn-lt"/>
+                <a:ea typeface="+mn-ea"/>
+                <a:cs typeface="+mn-cs"/>
+              </a:rPr>
+              <a:t>Vue.component</a:t>
+            </a:r>
+            <a:r>
+              <a:rPr lang="en-US" sz="1200" b="0" i="0" u="none" strike="noStrike" kern="1200" dirty="0">
+                <a:solidFill>
+                  <a:schemeClr val="tx1"/>
+                </a:solidFill>
+                <a:effectLst/>
+                <a:latin typeface="+mn-lt"/>
+                <a:ea typeface="+mn-ea"/>
+                <a:cs typeface="+mn-cs"/>
+              </a:rPr>
+              <a:t>, followed by new Vue({ el: '#container' }) to target a container element in the body of every page.</a:t>
+            </a:r>
+          </a:p>
+          <a:p>
+            <a:r>
+              <a:rPr lang="en-US" sz="1200" b="0" i="0" u="none" strike="noStrike" kern="1200" dirty="0">
+                <a:solidFill>
+                  <a:schemeClr val="tx1"/>
+                </a:solidFill>
+                <a:effectLst/>
+                <a:latin typeface="+mn-lt"/>
+                <a:ea typeface="+mn-ea"/>
+                <a:cs typeface="+mn-cs"/>
+              </a:rPr>
+              <a:t>This can work very well for small to medium-sized projects, where JavaScript is only used to enhance certain views. In more complex projects however, or when your frontend is entirely driven by JavaScript, these disadvantages become apparent:</a:t>
+            </a:r>
+          </a:p>
+          <a:p>
+            <a:pPr marL="171450" indent="-171450">
+              <a:buFont typeface="Arial" panose="020B0604020202020204" pitchFamily="34" charset="0"/>
+              <a:buChar char="•"/>
             </a:pPr>
             <a:r>
-              <a:rPr lang="en-US" dirty="0"/>
-              <a:t>Chatbots are another area which we believe will gain more traction in the future. </a:t>
-            </a:r>
-          </a:p>
-          <a:p>
-            <a:pPr lvl="1">
-              <a:spcAft>
-                <a:spcPts val="900"/>
-              </a:spcAft>
+              <a:rPr lang="en-US" sz="1200" b="1" i="0" u="none" strike="noStrike" kern="1200" dirty="0">
+                <a:solidFill>
+                  <a:schemeClr val="tx1"/>
+                </a:solidFill>
+                <a:effectLst/>
+                <a:latin typeface="+mn-lt"/>
+                <a:ea typeface="+mn-ea"/>
+                <a:cs typeface="+mn-cs"/>
+              </a:rPr>
+              <a:t>Global definitions</a:t>
+            </a:r>
+            <a:r>
+              <a:rPr lang="en-US" sz="1200" b="0" i="0" u="none" strike="noStrike" kern="1200" dirty="0">
+                <a:solidFill>
+                  <a:schemeClr val="tx1"/>
+                </a:solidFill>
+                <a:effectLst/>
+                <a:latin typeface="+mn-lt"/>
+                <a:ea typeface="+mn-ea"/>
+                <a:cs typeface="+mn-cs"/>
+              </a:rPr>
+              <a:t> force unique names for every component</a:t>
+            </a:r>
+          </a:p>
+          <a:p>
+            <a:pPr marL="171450" indent="-171450">
+              <a:buFont typeface="Arial" panose="020B0604020202020204" pitchFamily="34" charset="0"/>
+              <a:buChar char="•"/>
             </a:pPr>
             <a:r>
-              <a:rPr lang="en-US" dirty="0"/>
-              <a:t>2 types of bot… limited amount of specialized processes that replace the need to talk to a person or use complicated UIs</a:t>
-            </a:r>
-          </a:p>
-          <a:p>
-            <a:pPr lvl="1">
-              <a:spcAft>
-                <a:spcPts val="900"/>
-              </a:spcAft>
+              <a:rPr lang="en-US" sz="1200" b="1" i="0" u="none" strike="noStrike" kern="1200" dirty="0">
+                <a:solidFill>
+                  <a:schemeClr val="tx1"/>
+                </a:solidFill>
+                <a:effectLst/>
+                <a:latin typeface="+mn-lt"/>
+                <a:ea typeface="+mn-ea"/>
+                <a:cs typeface="+mn-cs"/>
+              </a:rPr>
+              <a:t>String templates</a:t>
+            </a:r>
+            <a:r>
+              <a:rPr lang="en-US" sz="1200" b="0" i="0" u="none" strike="noStrike" kern="1200" dirty="0">
+                <a:solidFill>
+                  <a:schemeClr val="tx1"/>
+                </a:solidFill>
+                <a:effectLst/>
+                <a:latin typeface="+mn-lt"/>
+                <a:ea typeface="+mn-ea"/>
+                <a:cs typeface="+mn-cs"/>
+              </a:rPr>
+              <a:t> lack syntax highlighting and require ugly slashes for multiline HTML</a:t>
+            </a:r>
+          </a:p>
+          <a:p>
+            <a:pPr marL="171450" indent="-171450">
+              <a:buFont typeface="Arial" panose="020B0604020202020204" pitchFamily="34" charset="0"/>
+              <a:buChar char="•"/>
             </a:pPr>
             <a:r>
-              <a:rPr lang="en-US" dirty="0"/>
-              <a:t>Not one likes stupid bots</a:t>
-            </a:r>
-          </a:p>
-          <a:p>
-            <a:pPr lvl="1">
-              <a:spcAft>
-                <a:spcPts val="900"/>
-              </a:spcAft>
+              <a:rPr lang="en-US" sz="1200" b="1" i="0" u="none" strike="noStrike" kern="1200" dirty="0">
+                <a:solidFill>
+                  <a:schemeClr val="tx1"/>
+                </a:solidFill>
+                <a:effectLst/>
+                <a:latin typeface="+mn-lt"/>
+                <a:ea typeface="+mn-ea"/>
+                <a:cs typeface="+mn-cs"/>
+              </a:rPr>
+              <a:t>No CSS support</a:t>
+            </a:r>
+            <a:r>
+              <a:rPr lang="en-US" sz="1200" b="0" i="0" u="none" strike="noStrike" kern="1200" dirty="0">
+                <a:solidFill>
+                  <a:schemeClr val="tx1"/>
+                </a:solidFill>
+                <a:effectLst/>
+                <a:latin typeface="+mn-lt"/>
+                <a:ea typeface="+mn-ea"/>
+                <a:cs typeface="+mn-cs"/>
+              </a:rPr>
+              <a:t> means that while HTML and JavaScript are modularized into components, CSS is conspicuously left out</a:t>
+            </a:r>
+          </a:p>
+          <a:p>
+            <a:pPr marL="171450" indent="-171450">
+              <a:buFont typeface="Arial" panose="020B0604020202020204" pitchFamily="34" charset="0"/>
+              <a:buChar char="•"/>
             </a:pPr>
             <a:r>
-              <a:rPr lang="en-US" dirty="0"/>
-              <a:t>Benefits</a:t>
-            </a:r>
-          </a:p>
-          <a:p>
-            <a:pPr lvl="1">
-              <a:spcAft>
-                <a:spcPts val="900"/>
-              </a:spcAft>
-            </a:pPr>
-            <a:r>
-              <a:rPr lang="en-US" dirty="0"/>
-              <a:t>------------------------------------------------------------</a:t>
-            </a:r>
-          </a:p>
-          <a:p>
-            <a:pPr lvl="1">
-              <a:spcAft>
-                <a:spcPts val="900"/>
-              </a:spcAft>
-            </a:pPr>
-            <a:r>
-              <a:rPr lang="en-US" dirty="0"/>
-              <a:t>There are generally two types of chatbots. We have all heard or used Alexa, Cortana, Siri and Google Assistant. These are the so called </a:t>
-            </a:r>
-            <a:r>
-              <a:rPr lang="en-US" b="1" dirty="0"/>
-              <a:t>knowledge chatbots</a:t>
-            </a:r>
-            <a:r>
-              <a:rPr lang="en-US" dirty="0"/>
-              <a:t>, which are trained on enormous amount of data and aim to help the user making a decision or providing the requested information. On the other hand, there are the </a:t>
-            </a:r>
-            <a:r>
-              <a:rPr lang="en-US" b="1" dirty="0"/>
-              <a:t>transactional chatbots</a:t>
-            </a:r>
-            <a:r>
-              <a:rPr lang="en-US" b="0" dirty="0"/>
-              <a:t>, whose purpose is to execute a limited amount of </a:t>
-            </a:r>
-            <a:r>
-              <a:rPr lang="en-US" b="1" dirty="0"/>
-              <a:t>specialized processes that replace the need to talk to an expert</a:t>
-            </a:r>
-            <a:r>
-              <a:rPr lang="en-US" b="0" dirty="0"/>
-              <a:t>, or to use complicated </a:t>
-            </a:r>
-            <a:r>
-              <a:rPr lang="en-US" b="0" dirty="0" err="1"/>
-              <a:t>Uis</a:t>
-            </a:r>
-            <a:r>
-              <a:rPr lang="en-US" b="0" dirty="0"/>
-              <a:t> such as long forms or processes. Think what a bank operator can do for you over the phone – verify identity, block stolen credit card, provide working hours for nearby branches, or help out with information about outgoing transfer. Other examples could be booking a doctor appointment, buy a vacation, food or insurance. All these, are very good cases for where a transactional chatbot can deliver value, by helping the customers 24/7 without the need for large operator teams to pick up the phone. </a:t>
-            </a:r>
-          </a:p>
-          <a:p>
-            <a:pPr lvl="1">
-              <a:spcAft>
-                <a:spcPts val="900"/>
-              </a:spcAft>
-            </a:pPr>
-            <a:endParaRPr lang="en-US" b="0" dirty="0"/>
-          </a:p>
-          <a:p>
-            <a:pPr lvl="1">
-              <a:spcAft>
-                <a:spcPts val="900"/>
-              </a:spcAft>
-            </a:pPr>
-            <a:r>
-              <a:rPr lang="en-US" b="0" dirty="0"/>
-              <a:t>There is a catch though. No one likes, stupid chatbots, so it is very important to utilize Natural Language Understanding service and to train your bot properly, so your users never get blocked. A rule of the thumb is that a user using the chatbot should be able to finish their task faster than using other means (e.g. filling a form or a phone call). </a:t>
-            </a:r>
+              <a:rPr lang="en-US" sz="1200" b="1" i="0" u="none" strike="noStrike" kern="1200" dirty="0">
+                <a:solidFill>
+                  <a:schemeClr val="tx1"/>
+                </a:solidFill>
+                <a:effectLst/>
+                <a:latin typeface="+mn-lt"/>
+                <a:ea typeface="+mn-ea"/>
+                <a:cs typeface="+mn-cs"/>
+              </a:rPr>
+              <a:t>No build step</a:t>
+            </a:r>
+            <a:r>
+              <a:rPr lang="en-US" sz="1200" b="0" i="0" u="none" strike="noStrike" kern="1200" dirty="0">
+                <a:solidFill>
+                  <a:schemeClr val="tx1"/>
+                </a:solidFill>
+                <a:effectLst/>
+                <a:latin typeface="+mn-lt"/>
+                <a:ea typeface="+mn-ea"/>
+                <a:cs typeface="+mn-cs"/>
+              </a:rPr>
+              <a:t> restricts us to HTML and ES5 JavaScript, rather than preprocessors like Pug (formerly Jade) and Babel</a:t>
+            </a:r>
+          </a:p>
+          <a:p>
+            <a:r>
+              <a:rPr lang="en-US" sz="1200" b="0" i="0" u="none" strike="noStrike" kern="1200" dirty="0">
+                <a:solidFill>
+                  <a:schemeClr val="tx1"/>
+                </a:solidFill>
+                <a:effectLst/>
+                <a:latin typeface="+mn-lt"/>
+                <a:ea typeface="+mn-ea"/>
+                <a:cs typeface="+mn-cs"/>
+              </a:rPr>
+              <a:t>All of these are solved by </a:t>
+            </a:r>
+            <a:r>
+              <a:rPr lang="en-US" sz="1200" b="1" i="0" u="none" strike="noStrike" kern="1200" dirty="0">
+                <a:solidFill>
+                  <a:schemeClr val="tx1"/>
+                </a:solidFill>
+                <a:effectLst/>
+                <a:latin typeface="+mn-lt"/>
+                <a:ea typeface="+mn-ea"/>
+                <a:cs typeface="+mn-cs"/>
+              </a:rPr>
+              <a:t>single-file components</a:t>
+            </a:r>
+            <a:r>
+              <a:rPr lang="en-US" sz="1200" b="0" i="0" u="none" strike="noStrike" kern="1200" dirty="0">
+                <a:solidFill>
+                  <a:schemeClr val="tx1"/>
+                </a:solidFill>
+                <a:effectLst/>
+                <a:latin typeface="+mn-lt"/>
+                <a:ea typeface="+mn-ea"/>
+                <a:cs typeface="+mn-cs"/>
+              </a:rPr>
+              <a:t> with a .</a:t>
+            </a:r>
+            <a:r>
+              <a:rPr lang="en-US" sz="1200" b="0" i="0" u="none" strike="noStrike" kern="1200" dirty="0" err="1">
+                <a:solidFill>
+                  <a:schemeClr val="tx1"/>
+                </a:solidFill>
+                <a:effectLst/>
+                <a:latin typeface="+mn-lt"/>
+                <a:ea typeface="+mn-ea"/>
+                <a:cs typeface="+mn-cs"/>
+              </a:rPr>
+              <a:t>vue</a:t>
+            </a:r>
+            <a:r>
+              <a:rPr lang="en-US" sz="1200" b="0" i="0" u="none" strike="noStrike" kern="1200" dirty="0">
+                <a:solidFill>
+                  <a:schemeClr val="tx1"/>
+                </a:solidFill>
+                <a:effectLst/>
+                <a:latin typeface="+mn-lt"/>
+                <a:ea typeface="+mn-ea"/>
+                <a:cs typeface="+mn-cs"/>
+              </a:rPr>
+              <a:t> extension, made possible with build tools such as Webpack or </a:t>
+            </a:r>
+            <a:r>
+              <a:rPr lang="en-US" sz="1200" b="0" i="0" u="none" strike="noStrike" kern="1200" dirty="0" err="1">
+                <a:solidFill>
+                  <a:schemeClr val="tx1"/>
+                </a:solidFill>
+                <a:effectLst/>
+                <a:latin typeface="+mn-lt"/>
+                <a:ea typeface="+mn-ea"/>
+                <a:cs typeface="+mn-cs"/>
+              </a:rPr>
+              <a:t>Browserify</a:t>
+            </a:r>
+            <a:r>
+              <a:rPr lang="en-US" sz="1200" b="0" i="0" u="none" strike="noStrike" kern="1200" dirty="0">
+                <a:solidFill>
+                  <a:schemeClr val="tx1"/>
+                </a:solidFill>
+                <a:effectLst/>
+                <a:latin typeface="+mn-lt"/>
+                <a:ea typeface="+mn-ea"/>
+                <a:cs typeface="+mn-cs"/>
+              </a:rPr>
+              <a:t>.</a:t>
+            </a:r>
+          </a:p>
+          <a:p>
+            <a:endParaRPr lang="en-US" dirty="0"/>
+          </a:p>
+          <a:p>
+            <a:endParaRPr lang="en-US" sz="1200" b="0" i="0" u="none" strike="noStrike" kern="1200" dirty="0">
+              <a:solidFill>
+                <a:schemeClr val="tx1"/>
+              </a:solidFill>
+              <a:effectLst/>
+              <a:latin typeface="+mn-lt"/>
+              <a:ea typeface="+mn-ea"/>
+              <a:cs typeface="+mn-cs"/>
+            </a:endParaRPr>
+          </a:p>
+          <a:p>
+            <a:r>
+              <a:rPr lang="en-US" sz="1200" b="0" i="0" u="none" strike="noStrike" kern="1200" dirty="0">
+                <a:solidFill>
+                  <a:schemeClr val="tx1"/>
+                </a:solidFill>
+                <a:effectLst/>
+                <a:latin typeface="+mn-lt"/>
+                <a:ea typeface="+mn-ea"/>
+                <a:cs typeface="+mn-cs"/>
+              </a:rPr>
+              <a:t>Now we get:</a:t>
+            </a:r>
+          </a:p>
+          <a:p>
+            <a:r>
+              <a:rPr lang="en-US" sz="1200" b="1" i="0" u="none" strike="noStrike" kern="1200" dirty="0">
+                <a:solidFill>
+                  <a:schemeClr val="tx1"/>
+                </a:solidFill>
+                <a:effectLst/>
+                <a:latin typeface="+mn-lt"/>
+                <a:ea typeface="+mn-ea"/>
+                <a:cs typeface="+mn-cs"/>
+                <a:hlinkClick r:id="rId3"/>
+              </a:rPr>
+              <a:t>Complete syntax highlighting</a:t>
+            </a:r>
+            <a:endParaRPr lang="en-US" sz="1200" b="0" i="0" u="none" strike="noStrike" kern="1200" dirty="0">
+              <a:solidFill>
+                <a:schemeClr val="tx1"/>
+              </a:solidFill>
+              <a:effectLst/>
+              <a:latin typeface="+mn-lt"/>
+              <a:ea typeface="+mn-ea"/>
+              <a:cs typeface="+mn-cs"/>
+            </a:endParaRPr>
+          </a:p>
+          <a:p>
+            <a:r>
+              <a:rPr lang="en-US" sz="1200" b="1" i="0" u="none" strike="noStrike" kern="1200" dirty="0" err="1">
+                <a:solidFill>
+                  <a:schemeClr val="tx1"/>
+                </a:solidFill>
+                <a:effectLst/>
+                <a:latin typeface="+mn-lt"/>
+                <a:ea typeface="+mn-ea"/>
+                <a:cs typeface="+mn-cs"/>
+                <a:hlinkClick r:id="rId4"/>
+              </a:rPr>
+              <a:t>CommonJS</a:t>
+            </a:r>
+            <a:r>
+              <a:rPr lang="en-US" sz="1200" b="1" i="0" u="none" strike="noStrike" kern="1200" dirty="0">
+                <a:solidFill>
+                  <a:schemeClr val="tx1"/>
+                </a:solidFill>
+                <a:effectLst/>
+                <a:latin typeface="+mn-lt"/>
+                <a:ea typeface="+mn-ea"/>
+                <a:cs typeface="+mn-cs"/>
+                <a:hlinkClick r:id="rId4"/>
+              </a:rPr>
+              <a:t> modules</a:t>
+            </a:r>
+            <a:endParaRPr lang="en-US" sz="1200" b="0" i="0" u="none" strike="noStrike" kern="1200" dirty="0">
+              <a:solidFill>
+                <a:schemeClr val="tx1"/>
+              </a:solidFill>
+              <a:effectLst/>
+              <a:latin typeface="+mn-lt"/>
+              <a:ea typeface="+mn-ea"/>
+              <a:cs typeface="+mn-cs"/>
+            </a:endParaRPr>
+          </a:p>
+          <a:p>
+            <a:r>
+              <a:rPr lang="en-US" sz="1200" b="1" i="0" u="none" strike="noStrike" kern="1200" dirty="0">
+                <a:solidFill>
+                  <a:schemeClr val="tx1"/>
+                </a:solidFill>
+                <a:effectLst/>
+                <a:latin typeface="+mn-lt"/>
+                <a:ea typeface="+mn-ea"/>
+                <a:cs typeface="+mn-cs"/>
+                <a:hlinkClick r:id="rId5"/>
+              </a:rPr>
+              <a:t>Component-scoped CSS</a:t>
+            </a:r>
+            <a:endParaRPr lang="en-US" sz="1200" b="0" i="0" u="none" strike="noStrike" kern="1200" dirty="0">
+              <a:solidFill>
+                <a:schemeClr val="tx1"/>
+              </a:solidFill>
+              <a:effectLst/>
+              <a:latin typeface="+mn-lt"/>
+              <a:ea typeface="+mn-ea"/>
+              <a:cs typeface="+mn-cs"/>
+            </a:endParaRPr>
+          </a:p>
+          <a:p>
+            <a:r>
+              <a:rPr lang="en-US" sz="1200" b="0" i="0" u="none" strike="noStrike" kern="1200" dirty="0">
+                <a:solidFill>
+                  <a:schemeClr val="tx1"/>
+                </a:solidFill>
+                <a:effectLst/>
+                <a:latin typeface="+mn-lt"/>
+                <a:ea typeface="+mn-ea"/>
+                <a:cs typeface="+mn-cs"/>
+              </a:rPr>
+              <a:t>We can also use preprocessors such as Pug, Babel (with ES2015 modules), and Stylus for cleaner and more feature-rich components.</a:t>
+            </a:r>
+          </a:p>
+          <a:p>
+            <a:endParaRPr lang="en-US" sz="1200" b="0" i="0" u="none" strike="noStrike" kern="1200" dirty="0">
+              <a:solidFill>
+                <a:schemeClr val="tx1"/>
+              </a:solidFill>
+              <a:effectLst/>
+              <a:latin typeface="+mn-lt"/>
+              <a:ea typeface="+mn-ea"/>
+              <a:cs typeface="+mn-cs"/>
+            </a:endParaRPr>
+          </a:p>
+          <a:p>
+            <a:r>
+              <a:rPr lang="en-US" sz="1200" b="1" i="0" u="none" strike="noStrike" kern="1200" dirty="0">
+                <a:solidFill>
+                  <a:schemeClr val="tx1"/>
+                </a:solidFill>
+                <a:effectLst/>
+                <a:latin typeface="+mn-lt"/>
+                <a:ea typeface="+mn-ea"/>
+                <a:cs typeface="+mn-cs"/>
+                <a:hlinkClick r:id="rId6" tooltip="What About Separation of Concerns?"/>
+              </a:rPr>
+              <a:t>What About Separation of Concerns?</a:t>
+            </a:r>
+            <a:endParaRPr lang="en-US" sz="1200" b="1" i="0" u="none" strike="noStrike" kern="1200" dirty="0">
+              <a:solidFill>
+                <a:schemeClr val="tx1"/>
+              </a:solidFill>
+              <a:effectLst/>
+              <a:latin typeface="+mn-lt"/>
+              <a:ea typeface="+mn-ea"/>
+              <a:cs typeface="+mn-cs"/>
+            </a:endParaRPr>
+          </a:p>
+          <a:p>
+            <a:r>
+              <a:rPr lang="en-US" sz="1200" b="0" i="0" u="none" strike="noStrike" kern="1200" dirty="0">
+                <a:solidFill>
+                  <a:schemeClr val="tx1"/>
+                </a:solidFill>
+                <a:effectLst/>
+                <a:latin typeface="+mn-lt"/>
+                <a:ea typeface="+mn-ea"/>
+                <a:cs typeface="+mn-cs"/>
+              </a:rPr>
+              <a:t>One important thing to note is that </a:t>
+            </a:r>
+            <a:r>
+              <a:rPr lang="en-US" sz="1200" b="1" i="0" u="none" strike="noStrike" kern="1200" dirty="0">
+                <a:solidFill>
+                  <a:schemeClr val="tx1"/>
+                </a:solidFill>
+                <a:effectLst/>
+                <a:latin typeface="+mn-lt"/>
+                <a:ea typeface="+mn-ea"/>
+                <a:cs typeface="+mn-cs"/>
+              </a:rPr>
+              <a:t>separation of concerns is not equal to separation of file types.</a:t>
+            </a:r>
+            <a:r>
+              <a:rPr lang="en-US" sz="1200" b="0" i="0" u="none" strike="noStrike" kern="1200" dirty="0">
+                <a:solidFill>
+                  <a:schemeClr val="tx1"/>
+                </a:solidFill>
+                <a:effectLst/>
+                <a:latin typeface="+mn-lt"/>
+                <a:ea typeface="+mn-ea"/>
+                <a:cs typeface="+mn-cs"/>
+              </a:rPr>
+              <a:t> In modern UI development, the vue.js team have found that instead of dividing the codebase into three huge layers that interweave with one another, it makes much more sense to divide them into loosely-coupled components and compose them. Inside a component, its template, logic and styles are inherently coupled, and collocating them actually makes the component more cohesive and maintainable.</a:t>
+            </a:r>
+          </a:p>
+          <a:p>
+            <a:endParaRPr lang="en-US" sz="1200" b="0" i="0" u="none" strike="noStrike" kern="1200" dirty="0">
+              <a:solidFill>
+                <a:schemeClr val="tx1"/>
+              </a:solidFill>
+              <a:effectLst/>
+              <a:latin typeface="+mn-lt"/>
+              <a:ea typeface="+mn-ea"/>
+              <a:cs typeface="+mn-cs"/>
+            </a:endParaRPr>
+          </a:p>
+          <a:p>
+            <a:endParaRPr lang="en-US" dirty="0"/>
           </a:p>
           <a:p>
             <a:endParaRPr lang="en-US" dirty="0"/>
@@ -6772,6 +7024,207 @@
           <a:bodyPr/>
           <a:lstStyle/>
           <a:p>
+            <a:fld id="{FBC2DECA-0E8B-476B-A6C1-3E37488E144B}" type="slidenum">
+              <a:rPr lang="en-US" smtClean="0"/>
+              <a:t>30</a:t>
+            </a:fld>
+            <a:endParaRPr lang="en-US"/>
+          </a:p>
+        </p:txBody>
+      </p:sp>
+    </p:spTree>
+    <p:extLst>
+      <p:ext uri="{BB962C8B-B14F-4D97-AF65-F5344CB8AC3E}">
+        <p14:creationId xmlns:p14="http://schemas.microsoft.com/office/powerpoint/2010/main" val="3521767611"/>
+      </p:ext>
+    </p:extLst>
+  </p:cSld>
+  <p:clrMapOvr>
+    <a:masterClrMapping/>
+  </p:clrMapOvr>
+</p:notes>
+</file>
+
+<file path=ppt/notesSlides/notesSlide22.xml><?xml version="1.0" encoding="utf-8"?>
+<p:notes xmlns:a="http://schemas.openxmlformats.org/drawingml/2006/main" xmlns:r="http://schemas.openxmlformats.org/officeDocument/2006/relationships" xmlns:p="http://schemas.openxmlformats.org/presentationml/2006/main">
+  <p:cSld>
+    <p:spTree>
+      <p:nvGrpSpPr>
+        <p:cNvPr id="1" name=""/>
+        <p:cNvGrpSpPr/>
+        <p:nvPr/>
+      </p:nvGrpSpPr>
+      <p:grpSpPr>
+        <a:xfrm>
+          <a:off x="0" y="0"/>
+          <a:ext cx="0" cy="0"/>
+          <a:chOff x="0" y="0"/>
+          <a:chExt cx="0" cy="0"/>
+        </a:xfrm>
+      </p:grpSpPr>
+      <p:sp>
+        <p:nvSpPr>
+          <p:cNvPr id="2" name="Slide Image Placeholder 1"/>
+          <p:cNvSpPr>
+            <a:spLocks noGrp="1" noRot="1" noChangeAspect="1"/>
+          </p:cNvSpPr>
+          <p:nvPr>
+            <p:ph type="sldImg"/>
+          </p:nvPr>
+        </p:nvSpPr>
+        <p:spPr/>
+      </p:sp>
+      <p:sp>
+        <p:nvSpPr>
+          <p:cNvPr id="3" name="Notes Placeholder 2"/>
+          <p:cNvSpPr>
+            <a:spLocks noGrp="1"/>
+          </p:cNvSpPr>
+          <p:nvPr>
+            <p:ph type="body" idx="1"/>
+          </p:nvPr>
+        </p:nvSpPr>
+        <p:spPr/>
+        <p:txBody>
+          <a:bodyPr/>
+          <a:lstStyle/>
+          <a:p>
+            <a:pPr lvl="1">
+              <a:spcAft>
+                <a:spcPts val="900"/>
+              </a:spcAft>
+            </a:pPr>
+            <a:r>
+              <a:rPr lang="en-US" dirty="0"/>
+              <a:t>Chatbots are another area which we believe will gain more traction in the future. </a:t>
+            </a:r>
+          </a:p>
+          <a:p>
+            <a:pPr lvl="1">
+              <a:spcAft>
+                <a:spcPts val="900"/>
+              </a:spcAft>
+            </a:pPr>
+            <a:r>
+              <a:rPr lang="en-US" dirty="0"/>
+              <a:t>2 types of bot… limited amount of specialized processes that replace the need to talk to a person or use complicated UIs</a:t>
+            </a:r>
+          </a:p>
+          <a:p>
+            <a:pPr lvl="1">
+              <a:spcAft>
+                <a:spcPts val="900"/>
+              </a:spcAft>
+            </a:pPr>
+            <a:r>
+              <a:rPr lang="en-US" dirty="0"/>
+              <a:t>Not one likes stupid bots</a:t>
+            </a:r>
+          </a:p>
+          <a:p>
+            <a:pPr lvl="1">
+              <a:spcAft>
+                <a:spcPts val="900"/>
+              </a:spcAft>
+            </a:pPr>
+            <a:r>
+              <a:rPr lang="en-US" dirty="0"/>
+              <a:t>Benefits</a:t>
+            </a:r>
+          </a:p>
+          <a:p>
+            <a:pPr lvl="1">
+              <a:spcAft>
+                <a:spcPts val="900"/>
+              </a:spcAft>
+            </a:pPr>
+            <a:r>
+              <a:rPr lang="en-US" dirty="0"/>
+              <a:t>------------------------------------------------------------</a:t>
+            </a:r>
+          </a:p>
+          <a:p>
+            <a:pPr lvl="1">
+              <a:spcAft>
+                <a:spcPts val="900"/>
+              </a:spcAft>
+            </a:pPr>
+            <a:r>
+              <a:rPr lang="en-US" dirty="0"/>
+              <a:t>There are generally two types of chatbots. We have all heard or used Alexa, Cortana, Siri and Google Assistant. These are the so called </a:t>
+            </a:r>
+            <a:r>
+              <a:rPr lang="en-US" b="1" dirty="0"/>
+              <a:t>knowledge chatbots</a:t>
+            </a:r>
+            <a:r>
+              <a:rPr lang="en-US" dirty="0"/>
+              <a:t>, which are trained on enormous amount of data and aim to help the user making a decision or providing the requested information. On the other hand, there are the </a:t>
+            </a:r>
+            <a:r>
+              <a:rPr lang="en-US" b="1" dirty="0"/>
+              <a:t>transactional chatbots</a:t>
+            </a:r>
+            <a:r>
+              <a:rPr lang="en-US" b="0" dirty="0"/>
+              <a:t>, whose purpose is to execute a limited amount of </a:t>
+            </a:r>
+            <a:r>
+              <a:rPr lang="en-US" b="1" dirty="0"/>
+              <a:t>specialized processes that replace the need to talk to an expert</a:t>
+            </a:r>
+            <a:r>
+              <a:rPr lang="en-US" b="0" dirty="0"/>
+              <a:t>, or to use complicated </a:t>
+            </a:r>
+            <a:r>
+              <a:rPr lang="en-US" b="0" dirty="0" err="1"/>
+              <a:t>Uis</a:t>
+            </a:r>
+            <a:r>
+              <a:rPr lang="en-US" b="0" dirty="0"/>
+              <a:t> such as long forms or processes. Think what a bank operator can do for you over the phone – verify identity, block stolen credit card, provide working hours for nearby branches, or help out with information about outgoing transfer. Other examples could be booking a doctor appointment, buy a vacation, food or insurance. All these, are very good cases for where a transactional chatbot can deliver value, by helping the customers 24/7 without the need for large operator teams to pick up the phone. </a:t>
+            </a:r>
+          </a:p>
+          <a:p>
+            <a:pPr lvl="1">
+              <a:spcAft>
+                <a:spcPts val="900"/>
+              </a:spcAft>
+            </a:pPr>
+            <a:endParaRPr lang="en-US" b="0" dirty="0"/>
+          </a:p>
+          <a:p>
+            <a:pPr lvl="1">
+              <a:spcAft>
+                <a:spcPts val="900"/>
+              </a:spcAft>
+            </a:pPr>
+            <a:r>
+              <a:rPr lang="en-US" b="0" dirty="0"/>
+              <a:t>There is a catch though. No one likes, stupid chatbots, so it is very important to utilize Natural Language Understanding service and to train your bot properly, so your users never get blocked. A rule of the thumb is that a user using the chatbot should be able to finish their task faster than using other means (e.g. filling a form or a phone call). </a:t>
+            </a:r>
+          </a:p>
+          <a:p>
+            <a:endParaRPr lang="en-US" dirty="0"/>
+          </a:p>
+        </p:txBody>
+      </p:sp>
+      <p:sp>
+        <p:nvSpPr>
+          <p:cNvPr id="4" name="Slide Number Placeholder 3"/>
+          <p:cNvSpPr>
+            <a:spLocks noGrp="1"/>
+          </p:cNvSpPr>
+          <p:nvPr>
+            <p:ph type="sldNum" sz="quarter" idx="10"/>
+          </p:nvPr>
+        </p:nvSpPr>
+        <p:spPr/>
+        <p:txBody>
+          <a:bodyPr/>
+          <a:lstStyle/>
+          <a:p>
             <a:fld id="{7B195CEB-2E34-4F4C-94D1-44578327D7A0}" type="slidenum">
               <a:rPr lang="en-US" smtClean="0"/>
               <a:t>34</a:t>
@@ -6793,7 +7246,7 @@
 </p:notes>
 </file>
 
-<file path=ppt/notesSlides/notesSlide22.xml><?xml version="1.0" encoding="utf-8"?>
+<file path=ppt/notesSlides/notesSlide23.xml><?xml version="1.0" encoding="utf-8"?>
 <p:notes xmlns:a="http://schemas.openxmlformats.org/drawingml/2006/main" xmlns:r="http://schemas.openxmlformats.org/officeDocument/2006/relationships" xmlns:p="http://schemas.openxmlformats.org/presentationml/2006/main">
   <p:cSld>
     <p:spTree>
@@ -7015,27 +7468,429 @@
           <a:p>
             <a:r>
               <a:rPr lang="en-US" dirty="0"/>
-              <a:t>-Read the basic info on the slide</a:t>
-            </a:r>
-          </a:p>
-          <a:p>
+              <a:t>With more than 30 hours of technical content created in partnership with New Venture Software, Virtual Classroom is designed to quickly get you onboard and successful with our developer tools whether you’ve been using them for years or are new to the suite. Each session will provide practical knowledge combined with helpful approaches to application development.</a:t>
+            </a:r>
+          </a:p>
+          <a:p>
+            <a:endParaRPr lang="en-US" dirty="0"/>
+          </a:p>
+          <a:p>
+            <a:pPr marL="0" marR="0" lvl="0" indent="0" algn="l" defTabSz="914400" rtl="0" eaLnBrk="1" fontAlgn="auto" latinLnBrk="0" hangingPunct="1">
+              <a:lnSpc>
+                <a:spcPct val="100000"/>
+              </a:lnSpc>
+              <a:spcBef>
+                <a:spcPts val="0"/>
+              </a:spcBef>
+              <a:spcAft>
+                <a:spcPts val="0"/>
+              </a:spcAft>
+              <a:buClrTx/>
+              <a:buSzTx/>
+              <a:buFontTx/>
+              <a:buNone/>
+              <a:tabLst/>
+              <a:defRPr/>
+            </a:pPr>
             <a:r>
               <a:rPr lang="en-US" dirty="0"/>
-              <a:t>-Great history with Telerik &amp; Progress</a:t>
-            </a:r>
-          </a:p>
-          <a:p>
+              <a:t>Here you can seen on your screens the schedule for the second season of trainings. </a:t>
+            </a:r>
+          </a:p>
+          <a:p>
+            <a:pPr marL="0" marR="0" lvl="0" indent="0" algn="l" defTabSz="914400" rtl="0" eaLnBrk="1" fontAlgn="auto" latinLnBrk="0" hangingPunct="1">
+              <a:lnSpc>
+                <a:spcPct val="100000"/>
+              </a:lnSpc>
+              <a:spcBef>
+                <a:spcPts val="0"/>
+              </a:spcBef>
+              <a:spcAft>
+                <a:spcPts val="0"/>
+              </a:spcAft>
+              <a:buClrTx/>
+              <a:buSzTx/>
+              <a:buFontTx/>
+              <a:buNone/>
+              <a:tabLst/>
+              <a:defRPr/>
+            </a:pPr>
+            <a:endParaRPr lang="en-US" dirty="0"/>
+          </a:p>
+          <a:p>
+            <a:pPr marL="0" marR="0" lvl="0" indent="0" algn="l" defTabSz="914400" rtl="0" eaLnBrk="1" fontAlgn="auto" latinLnBrk="0" hangingPunct="1">
+              <a:lnSpc>
+                <a:spcPct val="100000"/>
+              </a:lnSpc>
+              <a:spcBef>
+                <a:spcPts val="0"/>
+              </a:spcBef>
+              <a:spcAft>
+                <a:spcPts val="0"/>
+              </a:spcAft>
+              <a:buClrTx/>
+              <a:buSzTx/>
+              <a:buFontTx/>
+              <a:buNone/>
+              <a:tabLst/>
+              <a:defRPr/>
+            </a:pPr>
             <a:r>
               <a:rPr lang="en-US" dirty="0"/>
-              <a:t>-Invite to follow on twitter and on the </a:t>
+              <a:t>Web:</a:t>
+            </a:r>
+          </a:p>
+          <a:p>
+            <a:pPr marL="0" marR="0" lvl="0" indent="0" algn="l" defTabSz="914400" rtl="0" eaLnBrk="1" fontAlgn="auto" latinLnBrk="0" hangingPunct="1">
+              <a:lnSpc>
+                <a:spcPct val="100000"/>
+              </a:lnSpc>
+              <a:spcBef>
+                <a:spcPts val="0"/>
+              </a:spcBef>
+              <a:spcAft>
+                <a:spcPts val="0"/>
+              </a:spcAft>
+              <a:buClrTx/>
+              <a:buSzTx/>
+              <a:buFontTx/>
+              <a:buNone/>
+              <a:tabLst/>
+              <a:defRPr/>
+            </a:pPr>
+            <a:r>
+              <a:rPr lang="en-US" dirty="0"/>
+              <a:t>-Kendo UI fully covered</a:t>
+            </a:r>
+          </a:p>
+          <a:p>
+            <a:pPr marL="0" marR="0" lvl="0" indent="0" algn="l" defTabSz="914400" rtl="0" eaLnBrk="1" fontAlgn="auto" latinLnBrk="0" hangingPunct="1">
+              <a:lnSpc>
+                <a:spcPct val="100000"/>
+              </a:lnSpc>
+              <a:spcBef>
+                <a:spcPts val="0"/>
+              </a:spcBef>
+              <a:spcAft>
+                <a:spcPts val="0"/>
+              </a:spcAft>
+              <a:buClrTx/>
+              <a:buSzTx/>
+              <a:buFontTx/>
+              <a:buNone/>
+              <a:tabLst/>
+              <a:defRPr/>
+            </a:pPr>
+            <a:r>
+              <a:rPr lang="en-US" dirty="0"/>
+              <a:t>-MVC &amp; Core</a:t>
+            </a:r>
+          </a:p>
+          <a:p>
+            <a:pPr marL="0" marR="0" lvl="0" indent="0" algn="l" defTabSz="914400" rtl="0" eaLnBrk="1" fontAlgn="auto" latinLnBrk="0" hangingPunct="1">
+              <a:lnSpc>
+                <a:spcPct val="100000"/>
+              </a:lnSpc>
+              <a:spcBef>
+                <a:spcPts val="0"/>
+              </a:spcBef>
+              <a:spcAft>
+                <a:spcPts val="0"/>
+              </a:spcAft>
+              <a:buClrTx/>
+              <a:buSzTx/>
+              <a:buFontTx/>
+              <a:buNone/>
+              <a:tabLst/>
+              <a:defRPr/>
+            </a:pPr>
+            <a:r>
+              <a:rPr lang="en-US" dirty="0"/>
+              <a:t>-Ajax</a:t>
+            </a:r>
+          </a:p>
+          <a:p>
+            <a:pPr marL="0" marR="0" lvl="0" indent="0" algn="l" defTabSz="914400" rtl="0" eaLnBrk="1" fontAlgn="auto" latinLnBrk="0" hangingPunct="1">
+              <a:lnSpc>
+                <a:spcPct val="100000"/>
+              </a:lnSpc>
+              <a:spcBef>
+                <a:spcPts val="0"/>
+              </a:spcBef>
+              <a:spcAft>
+                <a:spcPts val="0"/>
+              </a:spcAft>
+              <a:buClrTx/>
+              <a:buSzTx/>
+              <a:buFontTx/>
+              <a:buNone/>
+              <a:tabLst/>
+              <a:defRPr/>
+            </a:pPr>
+            <a:endParaRPr lang="en-US" dirty="0"/>
+          </a:p>
+          <a:p>
+            <a:pPr marL="0" marR="0" lvl="0" indent="0" algn="l" defTabSz="914400" rtl="0" eaLnBrk="1" fontAlgn="auto" latinLnBrk="0" hangingPunct="1">
+              <a:lnSpc>
+                <a:spcPct val="100000"/>
+              </a:lnSpc>
+              <a:spcBef>
+                <a:spcPts val="0"/>
+              </a:spcBef>
+              <a:spcAft>
+                <a:spcPts val="0"/>
+              </a:spcAft>
+              <a:buClrTx/>
+              <a:buSzTx/>
+              <a:buFontTx/>
+              <a:buNone/>
+              <a:tabLst/>
+              <a:defRPr/>
+            </a:pPr>
+            <a:r>
+              <a:rPr lang="en-US" dirty="0"/>
+              <a:t>Desktop:</a:t>
+            </a:r>
+          </a:p>
+          <a:p>
+            <a:pPr marL="0" marR="0" lvl="0" indent="0" algn="l" defTabSz="914400" rtl="0" eaLnBrk="1" fontAlgn="auto" latinLnBrk="0" hangingPunct="1">
+              <a:lnSpc>
+                <a:spcPct val="100000"/>
+              </a:lnSpc>
+              <a:spcBef>
+                <a:spcPts val="0"/>
+              </a:spcBef>
+              <a:spcAft>
+                <a:spcPts val="0"/>
+              </a:spcAft>
+              <a:buClrTx/>
+              <a:buSzTx/>
+              <a:buFontTx/>
+              <a:buNone/>
+              <a:tabLst/>
+              <a:defRPr/>
+            </a:pPr>
+            <a:r>
+              <a:rPr lang="en-US" dirty="0"/>
+              <a:t>-WPF</a:t>
+            </a:r>
+          </a:p>
+          <a:p>
+            <a:pPr marL="0" marR="0" lvl="0" indent="0" algn="l" defTabSz="914400" rtl="0" eaLnBrk="1" fontAlgn="auto" latinLnBrk="0" hangingPunct="1">
+              <a:lnSpc>
+                <a:spcPct val="100000"/>
+              </a:lnSpc>
+              <a:spcBef>
+                <a:spcPts val="0"/>
+              </a:spcBef>
+              <a:spcAft>
+                <a:spcPts val="0"/>
+              </a:spcAft>
+              <a:buClrTx/>
+              <a:buSzTx/>
+              <a:buFontTx/>
+              <a:buNone/>
+              <a:tabLst/>
+              <a:defRPr/>
+            </a:pPr>
+            <a:r>
+              <a:rPr lang="en-US" dirty="0"/>
+              <a:t>-</a:t>
             </a:r>
             <a:r>
               <a:rPr lang="en-US" dirty="0" err="1"/>
-              <a:t>newventuresoftware</a:t>
-            </a:r>
+              <a:t>Winforms</a:t>
+            </a:r>
+            <a:endParaRPr lang="en-US" dirty="0"/>
+          </a:p>
+          <a:p>
+            <a:pPr marL="0" marR="0" lvl="0" indent="0" algn="l" defTabSz="914400" rtl="0" eaLnBrk="1" fontAlgn="auto" latinLnBrk="0" hangingPunct="1">
+              <a:lnSpc>
+                <a:spcPct val="100000"/>
+              </a:lnSpc>
+              <a:spcBef>
+                <a:spcPts val="0"/>
+              </a:spcBef>
+              <a:spcAft>
+                <a:spcPts val="0"/>
+              </a:spcAft>
+              <a:buClrTx/>
+              <a:buSzTx/>
+              <a:buFontTx/>
+              <a:buNone/>
+              <a:tabLst/>
+              <a:defRPr/>
+            </a:pPr>
             <a:r>
               <a:rPr lang="en-US" dirty="0"/>
-              <a:t> blog</a:t>
+              <a:t>-UWP</a:t>
+            </a:r>
+          </a:p>
+          <a:p>
+            <a:pPr marL="0" marR="0" lvl="0" indent="0" algn="l" defTabSz="914400" rtl="0" eaLnBrk="1" fontAlgn="auto" latinLnBrk="0" hangingPunct="1">
+              <a:lnSpc>
+                <a:spcPct val="100000"/>
+              </a:lnSpc>
+              <a:spcBef>
+                <a:spcPts val="0"/>
+              </a:spcBef>
+              <a:spcAft>
+                <a:spcPts val="0"/>
+              </a:spcAft>
+              <a:buClrTx/>
+              <a:buSzTx/>
+              <a:buFontTx/>
+              <a:buNone/>
+              <a:tabLst/>
+              <a:defRPr/>
+            </a:pPr>
+            <a:endParaRPr lang="en-US" dirty="0"/>
+          </a:p>
+          <a:p>
+            <a:pPr marL="0" marR="0" lvl="0" indent="0" algn="l" defTabSz="914400" rtl="0" eaLnBrk="1" fontAlgn="auto" latinLnBrk="0" hangingPunct="1">
+              <a:lnSpc>
+                <a:spcPct val="100000"/>
+              </a:lnSpc>
+              <a:spcBef>
+                <a:spcPts val="0"/>
+              </a:spcBef>
+              <a:spcAft>
+                <a:spcPts val="0"/>
+              </a:spcAft>
+              <a:buClrTx/>
+              <a:buSzTx/>
+              <a:buFontTx/>
+              <a:buNone/>
+              <a:tabLst/>
+              <a:defRPr/>
+            </a:pPr>
+            <a:r>
+              <a:rPr lang="en-US" dirty="0"/>
+              <a:t>Mobile:</a:t>
+            </a:r>
+          </a:p>
+          <a:p>
+            <a:pPr marL="0" marR="0" lvl="0" indent="0" algn="l" defTabSz="914400" rtl="0" eaLnBrk="1" fontAlgn="auto" latinLnBrk="0" hangingPunct="1">
+              <a:lnSpc>
+                <a:spcPct val="100000"/>
+              </a:lnSpc>
+              <a:spcBef>
+                <a:spcPts val="0"/>
+              </a:spcBef>
+              <a:spcAft>
+                <a:spcPts val="0"/>
+              </a:spcAft>
+              <a:buClrTx/>
+              <a:buSzTx/>
+              <a:buFontTx/>
+              <a:buNone/>
+              <a:tabLst/>
+              <a:defRPr/>
+            </a:pPr>
+            <a:r>
+              <a:rPr lang="en-US" dirty="0"/>
+              <a:t>-Xamarin</a:t>
+            </a:r>
+          </a:p>
+          <a:p>
+            <a:pPr marL="0" marR="0" lvl="0" indent="0" algn="l" defTabSz="914400" rtl="0" eaLnBrk="1" fontAlgn="auto" latinLnBrk="0" hangingPunct="1">
+              <a:lnSpc>
+                <a:spcPct val="100000"/>
+              </a:lnSpc>
+              <a:spcBef>
+                <a:spcPts val="0"/>
+              </a:spcBef>
+              <a:spcAft>
+                <a:spcPts val="0"/>
+              </a:spcAft>
+              <a:buClrTx/>
+              <a:buSzTx/>
+              <a:buFontTx/>
+              <a:buNone/>
+              <a:tabLst/>
+              <a:defRPr/>
+            </a:pPr>
+            <a:endParaRPr lang="en-US" dirty="0"/>
+          </a:p>
+          <a:p>
+            <a:pPr marL="0" marR="0" lvl="0" indent="0" algn="l" defTabSz="914400" rtl="0" eaLnBrk="1" fontAlgn="auto" latinLnBrk="0" hangingPunct="1">
+              <a:lnSpc>
+                <a:spcPct val="100000"/>
+              </a:lnSpc>
+              <a:spcBef>
+                <a:spcPts val="0"/>
+              </a:spcBef>
+              <a:spcAft>
+                <a:spcPts val="0"/>
+              </a:spcAft>
+              <a:buClrTx/>
+              <a:buSzTx/>
+              <a:buFontTx/>
+              <a:buNone/>
+              <a:tabLst/>
+              <a:defRPr/>
+            </a:pPr>
+            <a:r>
+              <a:rPr lang="en-US" dirty="0"/>
+              <a:t>Business intelligence:</a:t>
+            </a:r>
+          </a:p>
+          <a:p>
+            <a:pPr marL="0" marR="0" lvl="0" indent="0" algn="l" defTabSz="914400" rtl="0" eaLnBrk="1" fontAlgn="auto" latinLnBrk="0" hangingPunct="1">
+              <a:lnSpc>
+                <a:spcPct val="100000"/>
+              </a:lnSpc>
+              <a:spcBef>
+                <a:spcPts val="0"/>
+              </a:spcBef>
+              <a:spcAft>
+                <a:spcPts val="0"/>
+              </a:spcAft>
+              <a:buClrTx/>
+              <a:buSzTx/>
+              <a:buFontTx/>
+              <a:buNone/>
+              <a:tabLst/>
+              <a:defRPr/>
+            </a:pPr>
+            <a:r>
+              <a:rPr lang="en-US" dirty="0"/>
+              <a:t>-Reporting and Reporting Server</a:t>
+            </a:r>
+          </a:p>
+          <a:p>
+            <a:pPr marL="0" marR="0" lvl="0" indent="0" algn="l" defTabSz="914400" rtl="0" eaLnBrk="1" fontAlgn="auto" latinLnBrk="0" hangingPunct="1">
+              <a:lnSpc>
+                <a:spcPct val="100000"/>
+              </a:lnSpc>
+              <a:spcBef>
+                <a:spcPts val="0"/>
+              </a:spcBef>
+              <a:spcAft>
+                <a:spcPts val="0"/>
+              </a:spcAft>
+              <a:buClrTx/>
+              <a:buSzTx/>
+              <a:buFontTx/>
+              <a:buNone/>
+              <a:tabLst/>
+              <a:defRPr/>
+            </a:pPr>
+            <a:endParaRPr lang="en-US" dirty="0"/>
+          </a:p>
+          <a:p>
+            <a:r>
+              <a:rPr lang="en-US" dirty="0"/>
+              <a:t>With this in mind it is important for us to receive your feedback and let us know if we can improve anything for the next iteration. Feel free to submit your feedback as we move along in the form of a question or contact me personally by email. </a:t>
+            </a:r>
+          </a:p>
+          <a:p>
+            <a:endParaRPr lang="en-US" dirty="0"/>
+          </a:p>
+          <a:p>
+            <a:r>
+              <a:rPr lang="en-US" dirty="0"/>
+              <a:t>The recorded on-demand training videos, slides and demos will be available shortly after the corresponding live training is complete, and all training sessions will be refreshed after each major release. You'll also have access to all the training materials including slides and demos.</a:t>
             </a:r>
           </a:p>
         </p:txBody>
@@ -7057,7 +7912,7 @@
           <a:p>
             <a:fld id="{FBC2DECA-0E8B-476B-A6C1-3E37488E144B}" type="slidenum">
               <a:rPr lang="en-US" smtClean="0"/>
-              <a:t>4</a:t>
+              <a:t>3</a:t>
             </a:fld>
             <a:endParaRPr lang="en-US"/>
           </a:p>
@@ -7066,7 +7921,7 @@
     </p:spTree>
     <p:extLst>
       <p:ext uri="{BB962C8B-B14F-4D97-AF65-F5344CB8AC3E}">
-        <p14:creationId xmlns:p14="http://schemas.microsoft.com/office/powerpoint/2010/main" val="246161492"/>
+        <p14:creationId xmlns:p14="http://schemas.microsoft.com/office/powerpoint/2010/main" val="582798410"/>
       </p:ext>
     </p:extLst>
   </p:cSld>
@@ -7122,55 +7977,27 @@
           <a:p>
             <a:r>
               <a:rPr lang="en-US" dirty="0"/>
-              <a:t>A premium consulting and professional services partner for Progress Telerik products and technologies, who’s been instrumental in building the award-winning </a:t>
+              <a:t>-Read the basic info on the slide</a:t>
+            </a:r>
+          </a:p>
+          <a:p>
+            <a:r>
+              <a:rPr lang="en-US" dirty="0"/>
+              <a:t>-Great history with Telerik &amp; Progress</a:t>
+            </a:r>
+          </a:p>
+          <a:p>
+            <a:r>
+              <a:rPr lang="en-US" dirty="0"/>
+              <a:t>-Invite to follow on twitter and on the </a:t>
             </a:r>
             <a:r>
               <a:rPr lang="en-US" dirty="0" err="1"/>
-              <a:t>DevCraft</a:t>
+              <a:t>newventuresoftware</a:t>
             </a:r>
             <a:r>
               <a:rPr lang="en-US" dirty="0"/>
-              <a:t> suite.</a:t>
-            </a:r>
-          </a:p>
-          <a:p>
-            <a:r>
-              <a:rPr lang="en-US" dirty="0"/>
-              <a:t>The exceptional quality of our consulting and professional services stems from a solid background and expertise in Telerik </a:t>
-            </a:r>
-            <a:r>
-              <a:rPr lang="en-US" dirty="0" err="1"/>
-              <a:t>DevCraft</a:t>
-            </a:r>
-            <a:r>
-              <a:rPr lang="en-US" dirty="0"/>
-              <a:t>. Most of us are ex-Progress Telerik software architects who have led a number of teams building the Telerik </a:t>
-            </a:r>
-            <a:r>
-              <a:rPr lang="en-US" dirty="0" err="1"/>
-              <a:t>DevCraft</a:t>
-            </a:r>
-            <a:r>
-              <a:rPr lang="en-US" dirty="0"/>
-              <a:t> suite.</a:t>
-            </a:r>
-          </a:p>
-          <a:p>
-            <a:endParaRPr lang="en-US" dirty="0"/>
-          </a:p>
-          <a:p>
-            <a:r>
-              <a:rPr lang="en-US" dirty="0"/>
-              <a:t>We support all progress Telerik products and technologies be it for the web, desktop or mobile and have a successful track record of delivering future-proof software consulting and development solutions.</a:t>
-            </a:r>
-          </a:p>
-          <a:p>
-            <a:endParaRPr lang="en-US" dirty="0"/>
-          </a:p>
-          <a:p>
-            <a:r>
-              <a:rPr lang="en-US" dirty="0"/>
-              <a:t>My teammates and I feel honored and excited to have the opportunity to share with you our experience and passion about the Telerik technologies.</a:t>
+              <a:t> blog</a:t>
             </a:r>
           </a:p>
         </p:txBody>
@@ -7192,7 +8019,7 @@
           <a:p>
             <a:fld id="{FBC2DECA-0E8B-476B-A6C1-3E37488E144B}" type="slidenum">
               <a:rPr lang="en-US" smtClean="0"/>
-              <a:t>5</a:t>
+              <a:t>4</a:t>
             </a:fld>
             <a:endParaRPr lang="en-US"/>
           </a:p>
@@ -7201,7 +8028,7 @@
     </p:spTree>
     <p:extLst>
       <p:ext uri="{BB962C8B-B14F-4D97-AF65-F5344CB8AC3E}">
-        <p14:creationId xmlns:p14="http://schemas.microsoft.com/office/powerpoint/2010/main" val="1379335431"/>
+        <p14:creationId xmlns:p14="http://schemas.microsoft.com/office/powerpoint/2010/main" val="246161492"/>
       </p:ext>
     </p:extLst>
   </p:cSld>
@@ -7255,6 +8082,58 @@
           <a:bodyPr/>
           <a:lstStyle/>
           <a:p>
+            <a:r>
+              <a:rPr lang="en-US" dirty="0"/>
+              <a:t>We are a premium consulting and professional services partner for Progress Telerik products and technologies, who’s been instrumental in building the award-winning </a:t>
+            </a:r>
+            <a:r>
+              <a:rPr lang="en-US" dirty="0" err="1"/>
+              <a:t>DevCraft</a:t>
+            </a:r>
+            <a:r>
+              <a:rPr lang="en-US" dirty="0"/>
+              <a:t> suite.</a:t>
+            </a:r>
+          </a:p>
+          <a:p>
+            <a:r>
+              <a:rPr lang="en-US" dirty="0"/>
+              <a:t>The exceptional quality of our consulting and professional services stems from a solid background and expertise in Telerik </a:t>
+            </a:r>
+            <a:r>
+              <a:rPr lang="en-US" dirty="0" err="1"/>
+              <a:t>DevCraft</a:t>
+            </a:r>
+            <a:r>
+              <a:rPr lang="en-US" dirty="0"/>
+              <a:t>. Most of us are ex-Progress Telerik software architects who have led a number of teams building the Telerik </a:t>
+            </a:r>
+            <a:r>
+              <a:rPr lang="en-US" dirty="0" err="1"/>
+              <a:t>DevCraft</a:t>
+            </a:r>
+            <a:r>
+              <a:rPr lang="en-US" dirty="0"/>
+              <a:t> suite.</a:t>
+            </a:r>
+          </a:p>
+          <a:p>
+            <a:endParaRPr lang="en-US" dirty="0"/>
+          </a:p>
+          <a:p>
+            <a:r>
+              <a:rPr lang="en-US" dirty="0"/>
+              <a:t>We support all progress Telerik products and technologies be it for the web, desktop or mobile and have a successful track record of delivering future-proof software consulting and development solutions.</a:t>
+            </a:r>
+          </a:p>
+          <a:p>
+            <a:endParaRPr lang="en-US" dirty="0"/>
+          </a:p>
+          <a:p>
+            <a:r>
+              <a:rPr lang="en-US"/>
+              <a:t>My teammates and I feel honored and excited to have the opportunity to share with you our experience and passion about the Telerik technologies.</a:t>
+            </a:r>
             <a:endParaRPr lang="en-US" dirty="0"/>
           </a:p>
         </p:txBody>
@@ -7276,7 +8155,7 @@
           <a:p>
             <a:fld id="{FBC2DECA-0E8B-476B-A6C1-3E37488E144B}" type="slidenum">
               <a:rPr lang="en-US" smtClean="0"/>
-              <a:t>7</a:t>
+              <a:t>5</a:t>
             </a:fld>
             <a:endParaRPr lang="en-US"/>
           </a:p>
@@ -7285,7 +8164,7 @@
     </p:spTree>
     <p:extLst>
       <p:ext uri="{BB962C8B-B14F-4D97-AF65-F5344CB8AC3E}">
-        <p14:creationId xmlns:p14="http://schemas.microsoft.com/office/powerpoint/2010/main" val="2552522751"/>
+        <p14:creationId xmlns:p14="http://schemas.microsoft.com/office/powerpoint/2010/main" val="1379335431"/>
       </p:ext>
     </p:extLst>
   </p:cSld>
@@ -7339,35 +8218,7 @@
           <a:bodyPr/>
           <a:lstStyle/>
           <a:p>
-            <a:r>
-              <a:rPr lang="en-US" dirty="0"/>
-              <a:t>There are indeed a lot of web development frameworks that popped up in the past few years.</a:t>
-            </a:r>
-          </a:p>
-          <a:p>
-            <a:r>
-              <a:rPr lang="en-US" dirty="0"/>
-              <a:t>However, things are starting to mature and the market is settling on a few big ones. For that reason the Kendo UI team has decided to support what they believe are the major ones such as: React, Angular and you guessed it – </a:t>
-            </a:r>
-            <a:r>
-              <a:rPr lang="en-US" dirty="0" err="1"/>
-              <a:t>Vue</a:t>
-            </a:r>
             <a:endParaRPr lang="en-US" dirty="0"/>
-          </a:p>
-          <a:p>
-            <a:r>
-              <a:rPr lang="en-US" dirty="0"/>
-              <a:t>This presentation is about </a:t>
-            </a:r>
-            <a:r>
-              <a:rPr lang="en-US" dirty="0" err="1"/>
-              <a:t>Vue</a:t>
-            </a:r>
-            <a:r>
-              <a:rPr lang="en-US" dirty="0"/>
-              <a:t>, but I will discuss how it compares with Angular and React</a:t>
-            </a:r>
           </a:p>
         </p:txBody>
       </p:sp>
@@ -7388,7 +8239,7 @@
           <a:p>
             <a:fld id="{FBC2DECA-0E8B-476B-A6C1-3E37488E144B}" type="slidenum">
               <a:rPr lang="en-US" smtClean="0"/>
-              <a:t>8</a:t>
+              <a:t>7</a:t>
             </a:fld>
             <a:endParaRPr lang="en-US"/>
           </a:p>
@@ -7397,7 +8248,7 @@
     </p:spTree>
     <p:extLst>
       <p:ext uri="{BB962C8B-B14F-4D97-AF65-F5344CB8AC3E}">
-        <p14:creationId xmlns:p14="http://schemas.microsoft.com/office/powerpoint/2010/main" val="3409836637"/>
+        <p14:creationId xmlns:p14="http://schemas.microsoft.com/office/powerpoint/2010/main" val="2552522751"/>
       </p:ext>
     </p:extLst>
   </p:cSld>
@@ -7451,31 +8302,26 @@
           <a:bodyPr/>
           <a:lstStyle/>
           <a:p>
-            <a:pPr marL="171450" indent="-171450">
-              <a:buFont typeface="Arial" panose="020B0604020202020204" pitchFamily="34" charset="0"/>
-              <a:buChar char="•"/>
-            </a:pPr>
             <a:r>
               <a:rPr lang="en-US" dirty="0"/>
-              <a:t>The biggest strength of </a:t>
+              <a:t>There are indeed a lot of web development frameworks that popped up in the past few years.</a:t>
+            </a:r>
+          </a:p>
+          <a:p>
+            <a:r>
+              <a:rPr lang="en-US" dirty="0"/>
+              <a:t>However, things are starting to mature and the market is settling on a few big ones. For that reason the Kendo UI team has decided to support what they believe are the major ones such as: React, Angular and you guessed it – </a:t>
             </a:r>
             <a:r>
               <a:rPr lang="en-US" dirty="0" err="1"/>
               <a:t>Vue</a:t>
             </a:r>
+            <a:endParaRPr lang="en-US" dirty="0"/>
+          </a:p>
+          <a:p>
             <a:r>
               <a:rPr lang="en-US" dirty="0"/>
-              <a:t> in my opinion is it’s simplicity</a:t>
-            </a:r>
-          </a:p>
-          <a:p>
-            <a:pPr marL="171450" indent="-171450">
-              <a:buFont typeface="Arial" panose="020B0604020202020204" pitchFamily="34" charset="0"/>
-              <a:buChar char="•"/>
-            </a:pPr>
-            <a:r>
-              <a:rPr lang="en-US" dirty="0"/>
-              <a:t>Managed to start working with </a:t>
+              <a:t>This presentation is about </a:t>
             </a:r>
             <a:r>
               <a:rPr lang="en-US" dirty="0" err="1"/>
@@ -7483,66 +8329,7 @@
             </a:r>
             <a:r>
               <a:rPr lang="en-US" dirty="0"/>
-              <a:t> in 2-3 days.</a:t>
-            </a:r>
-          </a:p>
-          <a:p>
-            <a:pPr marL="171450" indent="-171450">
-              <a:buFont typeface="Arial" panose="020B0604020202020204" pitchFamily="34" charset="0"/>
-              <a:buChar char="•"/>
-            </a:pPr>
-            <a:r>
-              <a:rPr lang="en-US" dirty="0"/>
-              <a:t>Maintenance is easy because: </a:t>
-            </a:r>
-            <a:r>
-              <a:rPr lang="en-US" dirty="0" err="1"/>
-              <a:t>vue</a:t>
-            </a:r>
-            <a:r>
-              <a:rPr lang="en-US" dirty="0"/>
-              <a:t> simplicity, </a:t>
-            </a:r>
-            <a:r>
-              <a:rPr lang="en-US" dirty="0" err="1"/>
-              <a:t>mvvm</a:t>
-            </a:r>
-            <a:endParaRPr lang="en-US" dirty="0"/>
-          </a:p>
-          <a:p>
-            <a:pPr marL="171450" indent="-171450">
-              <a:buFont typeface="Arial" panose="020B0604020202020204" pitchFamily="34" charset="0"/>
-              <a:buChar char="•"/>
-            </a:pPr>
-            <a:r>
-              <a:rPr lang="en-US" dirty="0"/>
-              <a:t>Fast download compared to angular/react</a:t>
-            </a:r>
-          </a:p>
-          <a:p>
-            <a:pPr marL="171450" indent="-171450">
-              <a:buFont typeface="Arial" panose="020B0604020202020204" pitchFamily="34" charset="0"/>
-              <a:buChar char="•"/>
-            </a:pPr>
-            <a:r>
-              <a:rPr lang="en-US" dirty="0"/>
-              <a:t>Virtual Dom – based on </a:t>
-            </a:r>
-            <a:r>
-              <a:rPr lang="en-US" dirty="0" err="1"/>
-              <a:t>snabbdom</a:t>
-            </a:r>
-            <a:r>
-              <a:rPr lang="en-US" dirty="0"/>
-              <a:t>; Dom manipulation is slow thus virtual </a:t>
-            </a:r>
-            <a:r>
-              <a:rPr lang="en-US" dirty="0" err="1"/>
-              <a:t>dom</a:t>
-            </a:r>
-            <a:r>
-              <a:rPr lang="en-US" dirty="0"/>
-              <a:t> speeds it up; It is smart about what it updates</a:t>
+              <a:t>, but I will discuss how it compares with Angular and React</a:t>
             </a:r>
           </a:p>
         </p:txBody>
@@ -7564,7 +8351,7 @@
           <a:p>
             <a:fld id="{FBC2DECA-0E8B-476B-A6C1-3E37488E144B}" type="slidenum">
               <a:rPr lang="en-US" smtClean="0"/>
-              <a:t>9</a:t>
+              <a:t>8</a:t>
             </a:fld>
             <a:endParaRPr lang="en-US"/>
           </a:p>
@@ -7573,7 +8360,7 @@
     </p:spTree>
     <p:extLst>
       <p:ext uri="{BB962C8B-B14F-4D97-AF65-F5344CB8AC3E}">
-        <p14:creationId xmlns:p14="http://schemas.microsoft.com/office/powerpoint/2010/main" val="4253137631"/>
+        <p14:creationId xmlns:p14="http://schemas.microsoft.com/office/powerpoint/2010/main" val="3409836637"/>
       </p:ext>
     </p:extLst>
   </p:cSld>
@@ -7627,17 +8414,98 @@
           <a:bodyPr/>
           <a:lstStyle/>
           <a:p>
+            <a:pPr marL="171450" indent="-171450">
+              <a:buFont typeface="Arial" panose="020B0604020202020204" pitchFamily="34" charset="0"/>
+              <a:buChar char="•"/>
+            </a:pPr>
             <a:r>
               <a:rPr lang="en-US" dirty="0"/>
-              <a:t>-To learn more about Angular check out Denis </a:t>
+              <a:t>The biggest strength of </a:t>
             </a:r>
             <a:r>
               <a:rPr lang="en-US" dirty="0" err="1"/>
-              <a:t>Kyashif’s</a:t>
+              <a:t>Vue</a:t>
             </a:r>
             <a:r>
               <a:rPr lang="en-US" dirty="0"/>
-              <a:t> training on Kendo UI for Angular</a:t>
+              <a:t> in my opinion is it’s simplicity</a:t>
+            </a:r>
+          </a:p>
+          <a:p>
+            <a:pPr marL="171450" indent="-171450">
+              <a:buFont typeface="Arial" panose="020B0604020202020204" pitchFamily="34" charset="0"/>
+              <a:buChar char="•"/>
+            </a:pPr>
+            <a:r>
+              <a:rPr lang="en-US" dirty="0"/>
+              <a:t>Managed to start working with </a:t>
+            </a:r>
+            <a:r>
+              <a:rPr lang="en-US" dirty="0" err="1"/>
+              <a:t>Vue</a:t>
+            </a:r>
+            <a:r>
+              <a:rPr lang="en-US" dirty="0"/>
+              <a:t> in 2-3 days.</a:t>
+            </a:r>
+          </a:p>
+          <a:p>
+            <a:pPr marL="171450" indent="-171450">
+              <a:buFont typeface="Arial" panose="020B0604020202020204" pitchFamily="34" charset="0"/>
+              <a:buChar char="•"/>
+            </a:pPr>
+            <a:r>
+              <a:rPr lang="en-US" dirty="0"/>
+              <a:t>Maintenance is easy because: </a:t>
+            </a:r>
+            <a:r>
+              <a:rPr lang="en-US" dirty="0" err="1"/>
+              <a:t>vue</a:t>
+            </a:r>
+            <a:r>
+              <a:rPr lang="en-US" dirty="0"/>
+              <a:t> simplicity, </a:t>
+            </a:r>
+            <a:r>
+              <a:rPr lang="en-US" dirty="0" err="1"/>
+              <a:t>mvvm</a:t>
+            </a:r>
+            <a:endParaRPr lang="en-US" dirty="0"/>
+          </a:p>
+          <a:p>
+            <a:pPr marL="171450" indent="-171450">
+              <a:buFont typeface="Arial" panose="020B0604020202020204" pitchFamily="34" charset="0"/>
+              <a:buChar char="•"/>
+            </a:pPr>
+            <a:r>
+              <a:rPr lang="en-US" dirty="0"/>
+              <a:t>Fast download compared to angular/react</a:t>
+            </a:r>
+          </a:p>
+          <a:p>
+            <a:pPr marL="171450" indent="-171450">
+              <a:buFont typeface="Arial" panose="020B0604020202020204" pitchFamily="34" charset="0"/>
+              <a:buChar char="•"/>
+            </a:pPr>
+            <a:r>
+              <a:rPr lang="en-US" dirty="0"/>
+              <a:t>Virtual Dom – based on </a:t>
+            </a:r>
+            <a:r>
+              <a:rPr lang="en-US" dirty="0" err="1"/>
+              <a:t>snabbdom</a:t>
+            </a:r>
+            <a:r>
+              <a:rPr lang="en-US" dirty="0"/>
+              <a:t>; Dom manipulation is slow thus virtual </a:t>
+            </a:r>
+            <a:r>
+              <a:rPr lang="en-US" dirty="0" err="1"/>
+              <a:t>dom</a:t>
+            </a:r>
+            <a:r>
+              <a:rPr lang="en-US" dirty="0"/>
+              <a:t> speeds it up; It is smart about what it updates</a:t>
             </a:r>
           </a:p>
         </p:txBody>
@@ -7659,7 +8527,7 @@
           <a:p>
             <a:fld id="{FBC2DECA-0E8B-476B-A6C1-3E37488E144B}" type="slidenum">
               <a:rPr lang="en-US" smtClean="0"/>
-              <a:t>10</a:t>
+              <a:t>9</a:t>
             </a:fld>
             <a:endParaRPr lang="en-US"/>
           </a:p>
@@ -7668,7 +8536,7 @@
     </p:spTree>
     <p:extLst>
       <p:ext uri="{BB962C8B-B14F-4D97-AF65-F5344CB8AC3E}">
-        <p14:creationId xmlns:p14="http://schemas.microsoft.com/office/powerpoint/2010/main" val="2714125475"/>
+        <p14:creationId xmlns:p14="http://schemas.microsoft.com/office/powerpoint/2010/main" val="4253137631"/>
       </p:ext>
     </p:extLst>
   </p:cSld>
@@ -7722,254 +8590,18 @@
           <a:bodyPr/>
           <a:lstStyle/>
           <a:p>
-            <a:pPr algn="l"/>
-            <a:r>
-              <a:rPr lang="en-US" b="0" i="0" u="none" strike="noStrike" dirty="0">
-                <a:solidFill>
-                  <a:srgbClr val="34495E"/>
-                </a:solidFill>
-                <a:effectLst/>
-                <a:latin typeface="&amp;quot"/>
-              </a:rPr>
-              <a:t>They both:</a:t>
-            </a:r>
-          </a:p>
-          <a:p>
-            <a:pPr marL="171450" indent="-171450" algn="l">
-              <a:buFont typeface="Arial" panose="020B0604020202020204" pitchFamily="34" charset="0"/>
-              <a:buChar char="•"/>
-            </a:pPr>
-            <a:r>
-              <a:rPr lang="en-US" b="0" i="0" u="none" strike="noStrike" dirty="0">
-                <a:solidFill>
-                  <a:srgbClr val="34495E"/>
-                </a:solidFill>
-                <a:effectLst/>
-                <a:latin typeface="&amp;quot"/>
-              </a:rPr>
-              <a:t>utilize a virtual DOM</a:t>
-            </a:r>
-          </a:p>
-          <a:p>
-            <a:pPr marL="171450" indent="-171450" algn="l">
-              <a:buFont typeface="Arial" panose="020B0604020202020204" pitchFamily="34" charset="0"/>
-              <a:buChar char="•"/>
-            </a:pPr>
-            <a:r>
-              <a:rPr lang="en-US" b="0" i="0" u="none" strike="noStrike" dirty="0">
-                <a:solidFill>
-                  <a:srgbClr val="34495E"/>
-                </a:solidFill>
-                <a:effectLst/>
-                <a:latin typeface="&amp;quot"/>
-              </a:rPr>
-              <a:t>provide reactive and composable view components</a:t>
-            </a:r>
-          </a:p>
-          <a:p>
-            <a:pPr marL="171450" indent="-171450" algn="l">
-              <a:buFont typeface="Arial" panose="020B0604020202020204" pitchFamily="34" charset="0"/>
-              <a:buChar char="•"/>
-            </a:pPr>
-            <a:r>
-              <a:rPr lang="en-US" b="0" i="0" u="none" strike="noStrike" dirty="0">
-                <a:solidFill>
-                  <a:srgbClr val="34495E"/>
-                </a:solidFill>
-                <a:effectLst/>
-                <a:latin typeface="&amp;quot"/>
-              </a:rPr>
-              <a:t>maintain focus in the core library, with concerns such as routing and global state management handled by companion libraries</a:t>
-            </a:r>
-          </a:p>
-          <a:p>
-            <a:endParaRPr lang="en-US" dirty="0"/>
-          </a:p>
-          <a:p>
-            <a:r>
-              <a:rPr lang="en-US" sz="1200" b="0" i="0" u="none" strike="noStrike" kern="1200" dirty="0">
-                <a:solidFill>
-                  <a:schemeClr val="tx1"/>
-                </a:solidFill>
-                <a:effectLst/>
-                <a:latin typeface="+mn-lt"/>
-                <a:ea typeface="+mn-ea"/>
-                <a:cs typeface="+mn-cs"/>
-              </a:rPr>
-              <a:t>In React, everything is just JavaScript. Not only are HTML structures expressed via JSX, the recent trends also tend to put CSS management inside JavaScript as well. This approach has its own benefits, but also comes with various trade-offs that may not seem worthwhile for every developer. </a:t>
-            </a:r>
-            <a:r>
-              <a:rPr lang="en-US" sz="1200" b="0" i="0" u="none" strike="noStrike" kern="1200" dirty="0" err="1">
-                <a:solidFill>
-                  <a:schemeClr val="tx1"/>
-                </a:solidFill>
-                <a:effectLst/>
-                <a:latin typeface="+mn-lt"/>
-                <a:ea typeface="+mn-ea"/>
-                <a:cs typeface="+mn-cs"/>
-              </a:rPr>
-              <a:t>Vue</a:t>
-            </a:r>
-            <a:r>
-              <a:rPr lang="en-US" sz="1200" b="0" i="0" u="none" strike="noStrike" kern="1200" dirty="0">
-                <a:solidFill>
-                  <a:schemeClr val="tx1"/>
-                </a:solidFill>
-                <a:effectLst/>
-                <a:latin typeface="+mn-lt"/>
-                <a:ea typeface="+mn-ea"/>
-                <a:cs typeface="+mn-cs"/>
-              </a:rPr>
-              <a:t> embraces classic web technologies and builds on top of them.</a:t>
-            </a:r>
-          </a:p>
-          <a:p>
-            <a:endParaRPr lang="en-US" sz="1200" b="0" i="0" u="none" strike="noStrike" kern="1200" dirty="0">
-              <a:solidFill>
-                <a:schemeClr val="tx1"/>
-              </a:solidFill>
-              <a:effectLst/>
-              <a:latin typeface="+mn-lt"/>
-              <a:ea typeface="+mn-ea"/>
-              <a:cs typeface="+mn-cs"/>
-            </a:endParaRPr>
-          </a:p>
-          <a:p>
-            <a:r>
-              <a:rPr lang="en-US" sz="1200" b="0" i="0" u="none" strike="noStrike" kern="1200" dirty="0" err="1">
-                <a:solidFill>
-                  <a:schemeClr val="tx1"/>
-                </a:solidFill>
-                <a:effectLst/>
-                <a:latin typeface="+mn-lt"/>
-                <a:ea typeface="+mn-ea"/>
-                <a:cs typeface="+mn-cs"/>
-              </a:rPr>
-              <a:t>Vue</a:t>
-            </a:r>
-            <a:r>
-              <a:rPr lang="en-US" sz="1200" b="0" i="0" u="none" strike="noStrike" kern="1200" dirty="0">
-                <a:solidFill>
-                  <a:schemeClr val="tx1"/>
-                </a:solidFill>
-                <a:effectLst/>
-                <a:latin typeface="+mn-lt"/>
-                <a:ea typeface="+mn-ea"/>
-                <a:cs typeface="+mn-cs"/>
-              </a:rPr>
-              <a:t> also has render functions and support for JSX, but the default experience of templates is simpler to use. </a:t>
-            </a:r>
-          </a:p>
-          <a:p>
-            <a:pPr marL="171450" indent="-171450">
-              <a:buFont typeface="Arial" panose="020B0604020202020204" pitchFamily="34" charset="0"/>
-              <a:buChar char="•"/>
-            </a:pPr>
-            <a:r>
-              <a:rPr lang="en-US" b="0" i="0" u="none" strike="noStrike" dirty="0">
-                <a:solidFill>
-                  <a:srgbClr val="34495E"/>
-                </a:solidFill>
-                <a:effectLst/>
-                <a:latin typeface="Source Sans Pro"/>
-              </a:rPr>
-              <a:t>For many developers who have been working with HTML, templates feel more natural to read and write. The preference itself can be somewhat subjective, but if it makes the developer more productive then the benefit is objective.</a:t>
-            </a:r>
-          </a:p>
-          <a:p>
-            <a:pPr marL="171450" indent="-171450" algn="l">
-              <a:buFont typeface="Arial" panose="020B0604020202020204" pitchFamily="34" charset="0"/>
-              <a:buChar char="•"/>
-            </a:pPr>
-            <a:r>
-              <a:rPr lang="en-US" b="0" i="0" u="none" strike="noStrike" dirty="0">
-                <a:solidFill>
-                  <a:srgbClr val="34495E"/>
-                </a:solidFill>
-                <a:effectLst/>
-                <a:latin typeface="&amp;quot"/>
-              </a:rPr>
-              <a:t>HTML-based templates make it much easier to progressively migrate existing applications to take advantage of </a:t>
-            </a:r>
-            <a:r>
-              <a:rPr lang="en-US" b="0" i="0" u="none" strike="noStrike" dirty="0" err="1">
-                <a:solidFill>
-                  <a:srgbClr val="34495E"/>
-                </a:solidFill>
-                <a:effectLst/>
-                <a:latin typeface="&amp;quot"/>
-              </a:rPr>
-              <a:t>Vue’s</a:t>
-            </a:r>
-            <a:r>
-              <a:rPr lang="en-US" b="0" i="0" u="none" strike="noStrike" dirty="0">
-                <a:solidFill>
-                  <a:srgbClr val="34495E"/>
-                </a:solidFill>
-                <a:effectLst/>
-                <a:latin typeface="&amp;quot"/>
-              </a:rPr>
-              <a:t> reactivity features.</a:t>
-            </a:r>
-          </a:p>
-          <a:p>
-            <a:pPr marL="171450" indent="-171450" algn="l">
-              <a:buFont typeface="Arial" panose="020B0604020202020204" pitchFamily="34" charset="0"/>
-              <a:buChar char="•"/>
-            </a:pPr>
-            <a:r>
-              <a:rPr lang="en-US" b="0" i="0" u="none" strike="noStrike" dirty="0">
-                <a:solidFill>
-                  <a:srgbClr val="34495E"/>
-                </a:solidFill>
-                <a:effectLst/>
-                <a:latin typeface="&amp;quot"/>
-              </a:rPr>
-              <a:t>It also makes it much easier for designers and less experienced developers to parse and contribute to the codebase.</a:t>
-            </a:r>
-          </a:p>
-          <a:p>
-            <a:pPr marL="171450" indent="-171450" algn="l">
-              <a:buFont typeface="Arial" panose="020B0604020202020204" pitchFamily="34" charset="0"/>
-              <a:buChar char="•"/>
-            </a:pPr>
-            <a:r>
-              <a:rPr lang="en-US" b="0" i="0" u="none" strike="noStrike" dirty="0">
-                <a:solidFill>
-                  <a:srgbClr val="34495E"/>
-                </a:solidFill>
-                <a:effectLst/>
-                <a:latin typeface="&amp;quot"/>
-              </a:rPr>
-              <a:t>You can even use pre-processors such as Pug (formerly known as Jade) to author your </a:t>
-            </a:r>
-            <a:r>
-              <a:rPr lang="en-US" b="0" i="0" u="none" strike="noStrike" dirty="0" err="1">
-                <a:solidFill>
-                  <a:srgbClr val="34495E"/>
-                </a:solidFill>
-                <a:effectLst/>
-                <a:latin typeface="&amp;quot"/>
-              </a:rPr>
-              <a:t>Vue</a:t>
-            </a:r>
-            <a:r>
-              <a:rPr lang="en-US" b="0" i="0" u="none" strike="noStrike" dirty="0">
-                <a:solidFill>
-                  <a:srgbClr val="34495E"/>
-                </a:solidFill>
-                <a:effectLst/>
-                <a:latin typeface="&amp;quot"/>
-              </a:rPr>
-              <a:t> templates.</a:t>
-            </a:r>
-          </a:p>
-          <a:p>
-            <a:pPr marL="0" indent="0">
-              <a:buFont typeface="Arial" panose="020B0604020202020204" pitchFamily="34" charset="0"/>
-              <a:buNone/>
-            </a:pPr>
-            <a:endParaRPr lang="en-US" dirty="0"/>
+            <a:r>
+              <a:rPr lang="en-US" dirty="0"/>
+              <a:t>-To learn more about Angular check out Denis </a:t>
+            </a:r>
+            <a:r>
+              <a:rPr lang="en-US" dirty="0" err="1"/>
+              <a:t>Kyashif’s</a:t>
+            </a:r>
+            <a:r>
+              <a:rPr lang="en-US" dirty="0"/>
+              <a:t> training on Kendo UI for Angular</a:t>
+            </a:r>
           </a:p>
         </p:txBody>
       </p:sp>
@@ -7990,7 +8622,7 @@
           <a:p>
             <a:fld id="{FBC2DECA-0E8B-476B-A6C1-3E37488E144B}" type="slidenum">
               <a:rPr lang="en-US" smtClean="0"/>
-              <a:t>11</a:t>
+              <a:t>10</a:t>
             </a:fld>
             <a:endParaRPr lang="en-US"/>
           </a:p>
@@ -7999,7 +8631,7 @@
     </p:spTree>
     <p:extLst>
       <p:ext uri="{BB962C8B-B14F-4D97-AF65-F5344CB8AC3E}">
-        <p14:creationId xmlns:p14="http://schemas.microsoft.com/office/powerpoint/2010/main" val="2536745277"/>
+        <p14:creationId xmlns:p14="http://schemas.microsoft.com/office/powerpoint/2010/main" val="2714125475"/>
       </p:ext>
     </p:extLst>
   </p:cSld>
@@ -14637,7 +15269,7 @@
           <p:nvPr/>
         </p:nvPicPr>
         <p:blipFill>
-          <a:blip r:embed="rId2">
+          <a:blip r:embed="rId3">
             <a:extLst>
               <a:ext uri="{28A0092B-C50C-407E-A947-70E740481C1C}">
                 <a14:useLocalDpi xmlns:a14="http://schemas.microsoft.com/office/drawing/2010/main" val="0"/>
@@ -14929,7 +15561,7 @@
           <p:nvPr/>
         </p:nvPicPr>
         <p:blipFill>
-          <a:blip r:embed="rId3">
+          <a:blip r:embed="rId4">
             <a:extLst>
               <a:ext uri="{28A0092B-C50C-407E-A947-70E740481C1C}">
                 <a14:useLocalDpi xmlns:a14="http://schemas.microsoft.com/office/drawing/2010/main" val="0"/>
@@ -18524,7 +19156,14 @@
             </a:r>
             <a:r>
               <a:rPr lang="en-US" dirty="0"/>
-              <a:t> and v-show</a:t>
+              <a:t> and </a:t>
+            </a:r>
+            <a:r>
+              <a:rPr lang="en-US" dirty="0">
+                <a:latin typeface="Courier New" panose="02070309020205020404" pitchFamily="49" charset="0"/>
+                <a:cs typeface="Courier New" panose="02070309020205020404" pitchFamily="49" charset="0"/>
+              </a:rPr>
+              <a:t>v-show</a:t>
             </a:r>
           </a:p>
           <a:p>
@@ -19490,10 +20129,10 @@
       </p:sp>
       <p:pic>
         <p:nvPicPr>
-          <p:cNvPr id="4" name="Picture 3">
+          <p:cNvPr id="5" name="Picture 4">
             <a:extLst>
               <a:ext uri="{FF2B5EF4-FFF2-40B4-BE49-F238E27FC236}">
-                <a16:creationId xmlns:a16="http://schemas.microsoft.com/office/drawing/2014/main" id="{9D2FD32C-5AD0-4290-A2E7-F7E18CAC434E}"/>
+                <a16:creationId xmlns:a16="http://schemas.microsoft.com/office/drawing/2014/main" id="{7295EAB3-0D38-44B9-8E97-469667119168}"/>
               </a:ext>
             </a:extLst>
           </p:cNvPr>
@@ -19510,8 +20149,8 @@
         </p:blipFill>
         <p:spPr>
           <a:xfrm>
-            <a:off x="677334" y="4100975"/>
-            <a:ext cx="7713868" cy="1474987"/>
+            <a:off x="677334" y="3996103"/>
+            <a:ext cx="6801989" cy="2507804"/>
           </a:xfrm>
           <a:prstGeom prst="rect">
             <a:avLst/>
